--- a/Doc/毕业论文/Img/框图.pptx
+++ b/Doc/毕业论文/Img/框图.pptx
@@ -13,6 +13,7 @@
     <p:sldId id="261" r:id="rId7"/>
     <p:sldId id="262" r:id="rId8"/>
     <p:sldId id="263" r:id="rId9"/>
+    <p:sldId id="264" r:id="rId10"/>
   </p:sldIdLst>
   <p:sldSz cx="12192000" cy="6858000"/>
   <p:notesSz cx="6858000" cy="9144000"/>
@@ -268,7 +269,7 @@
           <a:p>
             <a:fld id="{D6541DAD-2F41-4861-9FE3-96CC3736A2AE}" type="datetimeFigureOut">
               <a:rPr lang="zh-CN" altLang="en-US" smtClean="0"/>
-              <a:t>2019/4/4</a:t>
+              <a:t>2019/4/6</a:t>
             </a:fld>
             <a:endParaRPr lang="zh-CN" altLang="en-US"/>
           </a:p>
@@ -468,7 +469,7 @@
           <a:p>
             <a:fld id="{D6541DAD-2F41-4861-9FE3-96CC3736A2AE}" type="datetimeFigureOut">
               <a:rPr lang="zh-CN" altLang="en-US" smtClean="0"/>
-              <a:t>2019/4/4</a:t>
+              <a:t>2019/4/6</a:t>
             </a:fld>
             <a:endParaRPr lang="zh-CN" altLang="en-US"/>
           </a:p>
@@ -678,7 +679,7 @@
           <a:p>
             <a:fld id="{D6541DAD-2F41-4861-9FE3-96CC3736A2AE}" type="datetimeFigureOut">
               <a:rPr lang="zh-CN" altLang="en-US" smtClean="0"/>
-              <a:t>2019/4/4</a:t>
+              <a:t>2019/4/6</a:t>
             </a:fld>
             <a:endParaRPr lang="zh-CN" altLang="en-US"/>
           </a:p>
@@ -878,7 +879,7 @@
           <a:p>
             <a:fld id="{D6541DAD-2F41-4861-9FE3-96CC3736A2AE}" type="datetimeFigureOut">
               <a:rPr lang="zh-CN" altLang="en-US" smtClean="0"/>
-              <a:t>2019/4/4</a:t>
+              <a:t>2019/4/6</a:t>
             </a:fld>
             <a:endParaRPr lang="zh-CN" altLang="en-US"/>
           </a:p>
@@ -1154,7 +1155,7 @@
           <a:p>
             <a:fld id="{D6541DAD-2F41-4861-9FE3-96CC3736A2AE}" type="datetimeFigureOut">
               <a:rPr lang="zh-CN" altLang="en-US" smtClean="0"/>
-              <a:t>2019/4/4</a:t>
+              <a:t>2019/4/6</a:t>
             </a:fld>
             <a:endParaRPr lang="zh-CN" altLang="en-US"/>
           </a:p>
@@ -1422,7 +1423,7 @@
           <a:p>
             <a:fld id="{D6541DAD-2F41-4861-9FE3-96CC3736A2AE}" type="datetimeFigureOut">
               <a:rPr lang="zh-CN" altLang="en-US" smtClean="0"/>
-              <a:t>2019/4/4</a:t>
+              <a:t>2019/4/6</a:t>
             </a:fld>
             <a:endParaRPr lang="zh-CN" altLang="en-US"/>
           </a:p>
@@ -1837,7 +1838,7 @@
           <a:p>
             <a:fld id="{D6541DAD-2F41-4861-9FE3-96CC3736A2AE}" type="datetimeFigureOut">
               <a:rPr lang="zh-CN" altLang="en-US" smtClean="0"/>
-              <a:t>2019/4/4</a:t>
+              <a:t>2019/4/6</a:t>
             </a:fld>
             <a:endParaRPr lang="zh-CN" altLang="en-US"/>
           </a:p>
@@ -1979,7 +1980,7 @@
           <a:p>
             <a:fld id="{D6541DAD-2F41-4861-9FE3-96CC3736A2AE}" type="datetimeFigureOut">
               <a:rPr lang="zh-CN" altLang="en-US" smtClean="0"/>
-              <a:t>2019/4/4</a:t>
+              <a:t>2019/4/6</a:t>
             </a:fld>
             <a:endParaRPr lang="zh-CN" altLang="en-US"/>
           </a:p>
@@ -2092,7 +2093,7 @@
           <a:p>
             <a:fld id="{D6541DAD-2F41-4861-9FE3-96CC3736A2AE}" type="datetimeFigureOut">
               <a:rPr lang="zh-CN" altLang="en-US" smtClean="0"/>
-              <a:t>2019/4/4</a:t>
+              <a:t>2019/4/6</a:t>
             </a:fld>
             <a:endParaRPr lang="zh-CN" altLang="en-US"/>
           </a:p>
@@ -2405,7 +2406,7 @@
           <a:p>
             <a:fld id="{D6541DAD-2F41-4861-9FE3-96CC3736A2AE}" type="datetimeFigureOut">
               <a:rPr lang="zh-CN" altLang="en-US" smtClean="0"/>
-              <a:t>2019/4/4</a:t>
+              <a:t>2019/4/6</a:t>
             </a:fld>
             <a:endParaRPr lang="zh-CN" altLang="en-US"/>
           </a:p>
@@ -2694,7 +2695,7 @@
           <a:p>
             <a:fld id="{D6541DAD-2F41-4861-9FE3-96CC3736A2AE}" type="datetimeFigureOut">
               <a:rPr lang="zh-CN" altLang="en-US" smtClean="0"/>
-              <a:t>2019/4/4</a:t>
+              <a:t>2019/4/6</a:t>
             </a:fld>
             <a:endParaRPr lang="zh-CN" altLang="en-US"/>
           </a:p>
@@ -2937,7 +2938,7 @@
           <a:p>
             <a:fld id="{D6541DAD-2F41-4861-9FE3-96CC3736A2AE}" type="datetimeFigureOut">
               <a:rPr lang="zh-CN" altLang="en-US" smtClean="0"/>
-              <a:t>2019/4/4</a:t>
+              <a:t>2019/4/6</a:t>
             </a:fld>
             <a:endParaRPr lang="zh-CN" altLang="en-US"/>
           </a:p>
@@ -10995,6 +10996,66 @@
 </p:sld>
 </file>
 
+<file path=ppt/slides/slide9.xml><?xml version="1.0" encoding="utf-8"?>
+<p:sld xmlns:a="http://schemas.openxmlformats.org/drawingml/2006/main" xmlns:r="http://schemas.openxmlformats.org/officeDocument/2006/relationships" xmlns:p="http://schemas.openxmlformats.org/presentationml/2006/main">
+  <p:cSld>
+    <p:spTree>
+      <p:nvGrpSpPr>
+        <p:cNvPr id="1" name=""/>
+        <p:cNvGrpSpPr/>
+        <p:nvPr/>
+      </p:nvGrpSpPr>
+      <p:grpSpPr>
+        <a:xfrm>
+          <a:off x="0" y="0"/>
+          <a:ext cx="0" cy="0"/>
+          <a:chOff x="0" y="0"/>
+          <a:chExt cx="0" cy="0"/>
+        </a:xfrm>
+      </p:grpSpPr>
+      <p:pic>
+        <p:nvPicPr>
+          <p:cNvPr id="4" name="Picture 3">
+            <a:extLst>
+              <a:ext uri="{FF2B5EF4-FFF2-40B4-BE49-F238E27FC236}">
+                <a16:creationId xmlns:a16="http://schemas.microsoft.com/office/drawing/2014/main" id="{78F1018F-665B-4F03-92C3-A42C2F5C50B1}"/>
+              </a:ext>
+            </a:extLst>
+          </p:cNvPr>
+          <p:cNvPicPr>
+            <a:picLocks noChangeAspect="1"/>
+          </p:cNvPicPr>
+          <p:nvPr/>
+        </p:nvPicPr>
+        <p:blipFill>
+          <a:blip r:embed="rId2"/>
+          <a:stretch>
+            <a:fillRect/>
+          </a:stretch>
+        </p:blipFill>
+        <p:spPr>
+          <a:xfrm>
+            <a:off x="4518535" y="2642390"/>
+            <a:ext cx="3154929" cy="1573219"/>
+          </a:xfrm>
+          <a:prstGeom prst="rect">
+            <a:avLst/>
+          </a:prstGeom>
+        </p:spPr>
+      </p:pic>
+    </p:spTree>
+    <p:extLst>
+      <p:ext uri="{BB962C8B-B14F-4D97-AF65-F5344CB8AC3E}">
+        <p14:creationId xmlns:p14="http://schemas.microsoft.com/office/powerpoint/2010/main" val="1068249195"/>
+      </p:ext>
+    </p:extLst>
+  </p:cSld>
+  <p:clrMapOvr>
+    <a:masterClrMapping/>
+  </p:clrMapOvr>
+</p:sld>
+</file>
+
 <file path=ppt/theme/theme1.xml><?xml version="1.0" encoding="utf-8"?>
 <a:theme xmlns:a="http://schemas.openxmlformats.org/drawingml/2006/main" name="Office Theme">
   <a:themeElements>

--- a/Doc/毕业论文/Img/框图.pptx
+++ b/Doc/毕业论文/Img/框图.pptx
@@ -269,7 +269,7 @@
           <a:p>
             <a:fld id="{D6541DAD-2F41-4861-9FE3-96CC3736A2AE}" type="datetimeFigureOut">
               <a:rPr lang="zh-CN" altLang="en-US" smtClean="0"/>
-              <a:t>2019/4/6</a:t>
+              <a:t>2019/4/16</a:t>
             </a:fld>
             <a:endParaRPr lang="zh-CN" altLang="en-US"/>
           </a:p>
@@ -469,7 +469,7 @@
           <a:p>
             <a:fld id="{D6541DAD-2F41-4861-9FE3-96CC3736A2AE}" type="datetimeFigureOut">
               <a:rPr lang="zh-CN" altLang="en-US" smtClean="0"/>
-              <a:t>2019/4/6</a:t>
+              <a:t>2019/4/16</a:t>
             </a:fld>
             <a:endParaRPr lang="zh-CN" altLang="en-US"/>
           </a:p>
@@ -679,7 +679,7 @@
           <a:p>
             <a:fld id="{D6541DAD-2F41-4861-9FE3-96CC3736A2AE}" type="datetimeFigureOut">
               <a:rPr lang="zh-CN" altLang="en-US" smtClean="0"/>
-              <a:t>2019/4/6</a:t>
+              <a:t>2019/4/16</a:t>
             </a:fld>
             <a:endParaRPr lang="zh-CN" altLang="en-US"/>
           </a:p>
@@ -879,7 +879,7 @@
           <a:p>
             <a:fld id="{D6541DAD-2F41-4861-9FE3-96CC3736A2AE}" type="datetimeFigureOut">
               <a:rPr lang="zh-CN" altLang="en-US" smtClean="0"/>
-              <a:t>2019/4/6</a:t>
+              <a:t>2019/4/16</a:t>
             </a:fld>
             <a:endParaRPr lang="zh-CN" altLang="en-US"/>
           </a:p>
@@ -1155,7 +1155,7 @@
           <a:p>
             <a:fld id="{D6541DAD-2F41-4861-9FE3-96CC3736A2AE}" type="datetimeFigureOut">
               <a:rPr lang="zh-CN" altLang="en-US" smtClean="0"/>
-              <a:t>2019/4/6</a:t>
+              <a:t>2019/4/16</a:t>
             </a:fld>
             <a:endParaRPr lang="zh-CN" altLang="en-US"/>
           </a:p>
@@ -1423,7 +1423,7 @@
           <a:p>
             <a:fld id="{D6541DAD-2F41-4861-9FE3-96CC3736A2AE}" type="datetimeFigureOut">
               <a:rPr lang="zh-CN" altLang="en-US" smtClean="0"/>
-              <a:t>2019/4/6</a:t>
+              <a:t>2019/4/16</a:t>
             </a:fld>
             <a:endParaRPr lang="zh-CN" altLang="en-US"/>
           </a:p>
@@ -1838,7 +1838,7 @@
           <a:p>
             <a:fld id="{D6541DAD-2F41-4861-9FE3-96CC3736A2AE}" type="datetimeFigureOut">
               <a:rPr lang="zh-CN" altLang="en-US" smtClean="0"/>
-              <a:t>2019/4/6</a:t>
+              <a:t>2019/4/16</a:t>
             </a:fld>
             <a:endParaRPr lang="zh-CN" altLang="en-US"/>
           </a:p>
@@ -1980,7 +1980,7 @@
           <a:p>
             <a:fld id="{D6541DAD-2F41-4861-9FE3-96CC3736A2AE}" type="datetimeFigureOut">
               <a:rPr lang="zh-CN" altLang="en-US" smtClean="0"/>
-              <a:t>2019/4/6</a:t>
+              <a:t>2019/4/16</a:t>
             </a:fld>
             <a:endParaRPr lang="zh-CN" altLang="en-US"/>
           </a:p>
@@ -2093,7 +2093,7 @@
           <a:p>
             <a:fld id="{D6541DAD-2F41-4861-9FE3-96CC3736A2AE}" type="datetimeFigureOut">
               <a:rPr lang="zh-CN" altLang="en-US" smtClean="0"/>
-              <a:t>2019/4/6</a:t>
+              <a:t>2019/4/16</a:t>
             </a:fld>
             <a:endParaRPr lang="zh-CN" altLang="en-US"/>
           </a:p>
@@ -2406,7 +2406,7 @@
           <a:p>
             <a:fld id="{D6541DAD-2F41-4861-9FE3-96CC3736A2AE}" type="datetimeFigureOut">
               <a:rPr lang="zh-CN" altLang="en-US" smtClean="0"/>
-              <a:t>2019/4/6</a:t>
+              <a:t>2019/4/16</a:t>
             </a:fld>
             <a:endParaRPr lang="zh-CN" altLang="en-US"/>
           </a:p>
@@ -2695,7 +2695,7 @@
           <a:p>
             <a:fld id="{D6541DAD-2F41-4861-9FE3-96CC3736A2AE}" type="datetimeFigureOut">
               <a:rPr lang="zh-CN" altLang="en-US" smtClean="0"/>
-              <a:t>2019/4/6</a:t>
+              <a:t>2019/4/16</a:t>
             </a:fld>
             <a:endParaRPr lang="zh-CN" altLang="en-US"/>
           </a:p>
@@ -2938,7 +2938,7 @@
           <a:p>
             <a:fld id="{D6541DAD-2F41-4861-9FE3-96CC3736A2AE}" type="datetimeFigureOut">
               <a:rPr lang="zh-CN" altLang="en-US" smtClean="0"/>
-              <a:t>2019/4/6</a:t>
+              <a:t>2019/4/16</a:t>
             </a:fld>
             <a:endParaRPr lang="zh-CN" altLang="en-US"/>
           </a:p>
@@ -3441,35 +3441,11 @@
               <a:p>
                 <a:pPr algn="ctr"/>
                 <a:r>
-                  <a:rPr lang="en-US" altLang="zh-CN" dirty="0">
-                    <a:latin typeface="Adina" panose="020B0503020204020204" pitchFamily="34" charset="-128"/>
-                    <a:ea typeface="Adina" panose="020B0503020204020204" pitchFamily="34" charset="-128"/>
-                  </a:rPr>
-                  <a:t>STM32F103C8T6</a:t>
-                </a:r>
-              </a:p>
-              <a:p>
-                <a:pPr algn="ctr"/>
-                <a:r>
                   <a:rPr lang="zh-CN" altLang="en-US" dirty="0">
                     <a:latin typeface="Adina" panose="020B0503020204020204" pitchFamily="34" charset="-128"/>
                     <a:ea typeface="Adina" panose="020B0503020204020204" pitchFamily="34" charset="-128"/>
                   </a:rPr>
-                  <a:t>微控制器</a:t>
-                </a:r>
-                <a:endParaRPr lang="en-US" altLang="zh-CN" dirty="0">
-                  <a:latin typeface="Adina" panose="020B0503020204020204" pitchFamily="34" charset="-128"/>
-                  <a:ea typeface="Adina" panose="020B0503020204020204" pitchFamily="34" charset="-128"/>
-                </a:endParaRPr>
-              </a:p>
-              <a:p>
-                <a:pPr algn="ctr"/>
-                <a:r>
-                  <a:rPr lang="zh-CN" altLang="en-US" dirty="0">
-                    <a:latin typeface="Adina" panose="020B0503020204020204" pitchFamily="34" charset="-128"/>
-                    <a:ea typeface="Adina" panose="020B0503020204020204" pitchFamily="34" charset="-128"/>
-                  </a:rPr>
-                  <a:t>及外围电路</a:t>
+                  <a:t>微控制器模块</a:t>
                 </a:r>
                 <a:endParaRPr lang="en-US" altLang="zh-CN" dirty="0">
                   <a:latin typeface="Adina" panose="020B0503020204020204" pitchFamily="34" charset="-128"/>
@@ -3579,18 +3555,11 @@
               <a:p>
                 <a:pPr algn="ctr"/>
                 <a:r>
-                  <a:rPr lang="en-US" altLang="zh-CN" dirty="0">
-                    <a:latin typeface="Adina" panose="020B0503020204020204" pitchFamily="34" charset="-128"/>
-                    <a:ea typeface="Adina" panose="020B0503020204020204" pitchFamily="34" charset="-128"/>
-                  </a:rPr>
-                  <a:t>2×4</a:t>
-                </a:r>
-                <a:r>
                   <a:rPr lang="zh-CN" altLang="en-US" dirty="0">
                     <a:latin typeface="Adina" panose="020B0503020204020204" pitchFamily="34" charset="-128"/>
                     <a:ea typeface="Adina" panose="020B0503020204020204" pitchFamily="34" charset="-128"/>
                   </a:rPr>
-                  <a:t>位拨码开关</a:t>
+                  <a:t>节点号输入模块</a:t>
                 </a:r>
               </a:p>
             </p:txBody>
@@ -3640,13 +3609,6 @@
               <a:lstStyle/>
               <a:p>
                 <a:pPr algn="ctr"/>
-                <a:r>
-                  <a:rPr lang="en-US" altLang="zh-CN" dirty="0">
-                    <a:latin typeface="Adina" panose="020B0503020204020204" pitchFamily="34" charset="-128"/>
-                    <a:ea typeface="Adina" panose="020B0503020204020204" pitchFamily="34" charset="-128"/>
-                  </a:rPr>
-                  <a:t>ZigBee</a:t>
-                </a:r>
                 <a:r>
                   <a:rPr lang="zh-CN" altLang="en-US" dirty="0">
                     <a:latin typeface="Adina" panose="020B0503020204020204" pitchFamily="34" charset="-128"/>
@@ -3707,21 +3669,11 @@
               <a:p>
                 <a:pPr algn="ctr"/>
                 <a:r>
-                  <a:rPr lang="en-US" altLang="zh-CN" dirty="0">
-                    <a:latin typeface="Adina" panose="020B0503020204020204" pitchFamily="34" charset="-128"/>
-                    <a:ea typeface="Adina" panose="020B0503020204020204" pitchFamily="34" charset="-128"/>
-                  </a:rPr>
-                  <a:t>DHT11</a:t>
-                </a:r>
-              </a:p>
-              <a:p>
-                <a:pPr algn="ctr"/>
-                <a:r>
                   <a:rPr lang="zh-CN" altLang="en-US" dirty="0">
                     <a:latin typeface="Adina" panose="020B0503020204020204" pitchFamily="34" charset="-128"/>
                     <a:ea typeface="Adina" panose="020B0503020204020204" pitchFamily="34" charset="-128"/>
                   </a:rPr>
-                  <a:t>温湿度传感器</a:t>
+                  <a:t>温湿度传感器模块</a:t>
                 </a:r>
               </a:p>
             </p:txBody>
@@ -4154,10 +4106,10 @@
       </p:grpSpPr>
       <p:grpSp>
         <p:nvGrpSpPr>
-          <p:cNvPr id="70" name="Group 69">
+          <p:cNvPr id="13" name="Group 12">
             <a:extLst>
               <a:ext uri="{FF2B5EF4-FFF2-40B4-BE49-F238E27FC236}">
-                <a16:creationId xmlns:a16="http://schemas.microsoft.com/office/drawing/2014/main" id="{CFF259DC-D2CC-4C79-AA65-54211569438D}"/>
+                <a16:creationId xmlns:a16="http://schemas.microsoft.com/office/drawing/2014/main" id="{FCA3FFF9-76AB-433C-AD41-C920DBBD7DE8}"/>
               </a:ext>
             </a:extLst>
           </p:cNvPr>
@@ -4166,10 +4118,10 @@
         </p:nvGrpSpPr>
         <p:grpSpPr>
           <a:xfrm>
-            <a:off x="2804329" y="1374255"/>
-            <a:ext cx="7829259" cy="3739365"/>
-            <a:chOff x="2804329" y="1374255"/>
-            <a:chExt cx="7829259" cy="3739365"/>
+            <a:off x="2804329" y="1044342"/>
+            <a:ext cx="7829259" cy="4069278"/>
+            <a:chOff x="2804329" y="1044342"/>
+            <a:chExt cx="7829259" cy="4069278"/>
           </a:xfrm>
         </p:grpSpPr>
         <p:sp>
@@ -4277,16 +4229,6 @@
           <p:txBody>
             <a:bodyPr rtlCol="0" anchor="ctr"/>
             <a:lstStyle/>
-            <a:p>
-              <a:pPr algn="ctr"/>
-              <a:r>
-                <a:rPr lang="en-US" altLang="zh-CN" dirty="0">
-                  <a:latin typeface="Adina" panose="020B0503020204020204" pitchFamily="34" charset="-128"/>
-                  <a:ea typeface="Adina" panose="020B0503020204020204" pitchFamily="34" charset="-128"/>
-                </a:rPr>
-                <a:t>DHT11</a:t>
-              </a:r>
-            </a:p>
             <a:p>
               <a:pPr algn="ctr"/>
               <a:r>
@@ -4696,13 +4638,6 @@
             <a:p>
               <a:pPr algn="ctr"/>
               <a:r>
-                <a:rPr lang="en-US" altLang="zh-CN" dirty="0">
-                  <a:latin typeface="Adina" panose="020B0503020204020204" pitchFamily="34" charset="-128"/>
-                  <a:ea typeface="Adina" panose="020B0503020204020204" pitchFamily="34" charset="-128"/>
-                </a:rPr>
-                <a:t>ZigBee</a:t>
-              </a:r>
-              <a:r>
                 <a:rPr lang="zh-CN" altLang="en-US" dirty="0">
                   <a:latin typeface="Adina" panose="020B0503020204020204" pitchFamily="34" charset="-128"/>
                   <a:ea typeface="Adina" panose="020B0503020204020204" pitchFamily="34" charset="-128"/>
@@ -4712,296 +4647,98 @@
             </a:p>
           </p:txBody>
         </p:sp>
-        <p:grpSp>
-          <p:nvGrpSpPr>
-            <p:cNvPr id="19" name="Group 18">
-              <a:extLst>
-                <a:ext uri="{FF2B5EF4-FFF2-40B4-BE49-F238E27FC236}">
-                  <a16:creationId xmlns:a16="http://schemas.microsoft.com/office/drawing/2014/main" id="{A8E57B74-E6C0-43C7-9E50-4EFC8AAF7840}"/>
-                </a:ext>
-              </a:extLst>
-            </p:cNvPr>
-            <p:cNvGrpSpPr/>
-            <p:nvPr/>
-          </p:nvGrpSpPr>
-          <p:grpSpPr>
+        <p:sp>
+          <p:nvSpPr>
+            <p:cNvPr id="9" name="Rectangle 8">
+              <a:extLst>
+                <a:ext uri="{FF2B5EF4-FFF2-40B4-BE49-F238E27FC236}">
+                  <a16:creationId xmlns:a16="http://schemas.microsoft.com/office/drawing/2014/main" id="{9905CB01-2DB1-4C2C-9030-38F5FF22F2B6}"/>
+                </a:ext>
+              </a:extLst>
+            </p:cNvPr>
+            <p:cNvSpPr/>
+            <p:nvPr/>
+          </p:nvSpPr>
+          <p:spPr>
             <a:xfrm>
               <a:off x="4277824" y="2605269"/>
               <a:ext cx="3869889" cy="1280160"/>
-              <a:chOff x="4277824" y="2605269"/>
-              <a:chExt cx="3869889" cy="1280160"/>
-            </a:xfrm>
-          </p:grpSpPr>
-          <p:sp>
-            <p:nvSpPr>
-              <p:cNvPr id="2" name="Rectangle 1">
-                <a:extLst>
-                  <a:ext uri="{FF2B5EF4-FFF2-40B4-BE49-F238E27FC236}">
-                    <a16:creationId xmlns:a16="http://schemas.microsoft.com/office/drawing/2014/main" id="{B132570D-7730-4D05-AAA4-C00D4A44878A}"/>
-                  </a:ext>
-                </a:extLst>
-              </p:cNvPr>
-              <p:cNvSpPr/>
-              <p:nvPr/>
-            </p:nvSpPr>
-            <p:spPr>
-              <a:xfrm>
-                <a:off x="4383206" y="2743200"/>
-                <a:ext cx="2115403" cy="685800"/>
-              </a:xfrm>
-              <a:prstGeom prst="rect">
-                <a:avLst/>
-              </a:prstGeom>
-              <a:ln>
-                <a:solidFill>
-                  <a:schemeClr val="tx1"/>
-                </a:solidFill>
-              </a:ln>
-            </p:spPr>
-            <p:style>
-              <a:lnRef idx="2">
-                <a:schemeClr val="accent6"/>
-              </a:lnRef>
-              <a:fillRef idx="1">
-                <a:schemeClr val="lt1"/>
-              </a:fillRef>
-              <a:effectRef idx="0">
-                <a:schemeClr val="accent6"/>
-              </a:effectRef>
-              <a:fontRef idx="minor">
-                <a:schemeClr val="dk1"/>
-              </a:fontRef>
-            </p:style>
-            <p:txBody>
-              <a:bodyPr rtlCol="0" anchor="ctr"/>
-              <a:lstStyle/>
-              <a:p>
-                <a:pPr algn="ctr"/>
-                <a:r>
-                  <a:rPr lang="en-US" altLang="zh-CN" dirty="0">
-                    <a:latin typeface="Adina" panose="020B0503020204020204" pitchFamily="34" charset="-128"/>
-                    <a:ea typeface="Adina" panose="020B0503020204020204" pitchFamily="34" charset="-128"/>
-                  </a:rPr>
-                  <a:t>STM32H743IIT6</a:t>
-                </a:r>
-              </a:p>
-              <a:p>
-                <a:pPr algn="ctr"/>
-                <a:r>
-                  <a:rPr lang="zh-CN" altLang="en-US" dirty="0">
-                    <a:latin typeface="Adina" panose="020B0503020204020204" pitchFamily="34" charset="-128"/>
-                    <a:ea typeface="Adina" panose="020B0503020204020204" pitchFamily="34" charset="-128"/>
-                  </a:rPr>
-                  <a:t>微处理器</a:t>
-                </a:r>
-              </a:p>
-            </p:txBody>
-          </p:sp>
-          <p:sp>
-            <p:nvSpPr>
-              <p:cNvPr id="4" name="Rectangle 3">
-                <a:extLst>
-                  <a:ext uri="{FF2B5EF4-FFF2-40B4-BE49-F238E27FC236}">
-                    <a16:creationId xmlns:a16="http://schemas.microsoft.com/office/drawing/2014/main" id="{B6D850D5-1919-430D-BAAC-85A3FCAE1E07}"/>
-                  </a:ext>
-                </a:extLst>
-              </p:cNvPr>
-              <p:cNvSpPr/>
-              <p:nvPr/>
-            </p:nvSpPr>
-            <p:spPr>
-              <a:xfrm>
-                <a:off x="7071670" y="2743200"/>
-                <a:ext cx="955631" cy="685800"/>
-              </a:xfrm>
-              <a:prstGeom prst="rect">
-                <a:avLst/>
-              </a:prstGeom>
-              <a:ln>
-                <a:solidFill>
-                  <a:schemeClr val="tx1"/>
-                </a:solidFill>
-              </a:ln>
-            </p:spPr>
-            <p:style>
-              <a:lnRef idx="2">
-                <a:schemeClr val="accent6"/>
-              </a:lnRef>
-              <a:fillRef idx="1">
-                <a:schemeClr val="lt1"/>
-              </a:fillRef>
-              <a:effectRef idx="0">
-                <a:schemeClr val="accent6"/>
-              </a:effectRef>
-              <a:fontRef idx="minor">
-                <a:schemeClr val="dk1"/>
-              </a:fontRef>
-            </p:style>
-            <p:txBody>
-              <a:bodyPr rtlCol="0" anchor="ctr"/>
-              <a:lstStyle/>
-              <a:p>
-                <a:pPr algn="ctr"/>
-                <a:r>
-                  <a:rPr lang="en-US" altLang="zh-CN" dirty="0">
-                    <a:latin typeface="Adina" panose="020B0503020204020204" pitchFamily="34" charset="-128"/>
-                    <a:ea typeface="Adina" panose="020B0503020204020204" pitchFamily="34" charset="-128"/>
-                  </a:rPr>
-                  <a:t>SDRAM</a:t>
-                </a:r>
-                <a:endParaRPr lang="zh-CN" altLang="en-US" dirty="0">
+            </a:xfrm>
+            <a:prstGeom prst="rect">
+              <a:avLst/>
+            </a:prstGeom>
+            <a:noFill/>
+            <a:ln>
+              <a:solidFill>
+                <a:schemeClr val="tx1"/>
+              </a:solidFill>
+              <a:prstDash val="solid"/>
+            </a:ln>
+          </p:spPr>
+          <p:style>
+            <a:lnRef idx="2">
+              <a:schemeClr val="accent6"/>
+            </a:lnRef>
+            <a:fillRef idx="1">
+              <a:schemeClr val="lt1"/>
+            </a:fillRef>
+            <a:effectRef idx="0">
+              <a:schemeClr val="accent6"/>
+            </a:effectRef>
+            <a:fontRef idx="minor">
+              <a:schemeClr val="dk1"/>
+            </a:fontRef>
+          </p:style>
+          <p:txBody>
+            <a:bodyPr rtlCol="0" anchor="ctr"/>
+            <a:lstStyle/>
+            <a:p>
+              <a:pPr algn="ctr"/>
+              <a:r>
+                <a:rPr lang="zh-CN" altLang="en-US" dirty="0">
                   <a:latin typeface="Adina" panose="020B0503020204020204" pitchFamily="34" charset="-128"/>
                   <a:ea typeface="Adina" panose="020B0503020204020204" pitchFamily="34" charset="-128"/>
-                </a:endParaRPr>
-              </a:p>
-            </p:txBody>
-          </p:sp>
-          <p:sp>
-            <p:nvSpPr>
-              <p:cNvPr id="9" name="Rectangle 8">
-                <a:extLst>
-                  <a:ext uri="{FF2B5EF4-FFF2-40B4-BE49-F238E27FC236}">
-                    <a16:creationId xmlns:a16="http://schemas.microsoft.com/office/drawing/2014/main" id="{9905CB01-2DB1-4C2C-9030-38F5FF22F2B6}"/>
-                  </a:ext>
-                </a:extLst>
-              </p:cNvPr>
-              <p:cNvSpPr/>
-              <p:nvPr/>
-            </p:nvSpPr>
-            <p:spPr>
-              <a:xfrm>
-                <a:off x="4277824" y="2605269"/>
-                <a:ext cx="3869889" cy="1280160"/>
-              </a:xfrm>
-              <a:prstGeom prst="rect">
-                <a:avLst/>
-              </a:prstGeom>
-              <a:noFill/>
-              <a:ln>
-                <a:solidFill>
-                  <a:schemeClr val="tx1"/>
-                </a:solidFill>
-                <a:prstDash val="dash"/>
-              </a:ln>
-            </p:spPr>
-            <p:style>
-              <a:lnRef idx="2">
-                <a:schemeClr val="accent6"/>
-              </a:lnRef>
-              <a:fillRef idx="1">
-                <a:schemeClr val="lt1"/>
-              </a:fillRef>
-              <a:effectRef idx="0">
-                <a:schemeClr val="accent6"/>
-              </a:effectRef>
-              <a:fontRef idx="minor">
-                <a:schemeClr val="dk1"/>
-              </a:fontRef>
-            </p:style>
-            <p:txBody>
-              <a:bodyPr rtlCol="0" anchor="ctr"/>
-              <a:lstStyle/>
-              <a:p>
-                <a:pPr algn="ctr"/>
-                <a:endParaRPr lang="zh-CN" altLang="en-US" dirty="0">
-                  <a:latin typeface="Adina" panose="020B0503020204020204" pitchFamily="34" charset="-128"/>
-                  <a:ea typeface="Adina" panose="020B0503020204020204" pitchFamily="34" charset="-128"/>
-                </a:endParaRPr>
-              </a:p>
-            </p:txBody>
-          </p:sp>
-          <p:cxnSp>
-            <p:nvCxnSpPr>
-              <p:cNvPr id="16" name="Straight Arrow Connector 15">
-                <a:extLst>
-                  <a:ext uri="{FF2B5EF4-FFF2-40B4-BE49-F238E27FC236}">
-                    <a16:creationId xmlns:a16="http://schemas.microsoft.com/office/drawing/2014/main" id="{0E9F2E85-24E5-494A-A8AD-2428DF8A919B}"/>
-                  </a:ext>
-                </a:extLst>
-              </p:cNvPr>
-              <p:cNvCxnSpPr>
-                <a:stCxn id="2" idx="3"/>
-                <a:endCxn id="4" idx="1"/>
-              </p:cNvCxnSpPr>
-              <p:nvPr/>
-            </p:nvCxnSpPr>
-            <p:spPr>
-              <a:xfrm>
-                <a:off x="6498609" y="3086100"/>
-                <a:ext cx="573061" cy="0"/>
-              </a:xfrm>
-              <a:prstGeom prst="straightConnector1">
-                <a:avLst/>
-              </a:prstGeom>
-              <a:ln w="76200">
-                <a:solidFill>
-                  <a:schemeClr val="tx1"/>
-                </a:solidFill>
-                <a:headEnd type="triangle"/>
-                <a:tailEnd type="triangle"/>
-              </a:ln>
-            </p:spPr>
-            <p:style>
-              <a:lnRef idx="1">
-                <a:schemeClr val="accent1"/>
-              </a:lnRef>
-              <a:fillRef idx="0">
-                <a:schemeClr val="accent1"/>
-              </a:fillRef>
-              <a:effectRef idx="0">
-                <a:schemeClr val="accent1"/>
-              </a:effectRef>
-              <a:fontRef idx="minor">
-                <a:schemeClr val="tx1"/>
-              </a:fontRef>
-            </p:style>
-          </p:cxnSp>
-          <p:sp>
-            <p:nvSpPr>
-              <p:cNvPr id="18" name="TextBox 17">
-                <a:extLst>
-                  <a:ext uri="{FF2B5EF4-FFF2-40B4-BE49-F238E27FC236}">
-                    <a16:creationId xmlns:a16="http://schemas.microsoft.com/office/drawing/2014/main" id="{DD3E3CA9-D238-4C98-8FDE-FB49273E1519}"/>
-                  </a:ext>
-                </a:extLst>
-              </p:cNvPr>
-              <p:cNvSpPr txBox="1"/>
-              <p:nvPr/>
-            </p:nvSpPr>
-            <p:spPr>
-              <a:xfrm>
-                <a:off x="6254414" y="3502881"/>
-                <a:ext cx="1763624" cy="369332"/>
-              </a:xfrm>
-              <a:prstGeom prst="rect">
-                <a:avLst/>
-              </a:prstGeom>
-              <a:noFill/>
-            </p:spPr>
-            <p:txBody>
-              <a:bodyPr wrap="none" rtlCol="0">
-                <a:spAutoFit/>
-              </a:bodyPr>
-              <a:lstStyle/>
-              <a:p>
-                <a:r>
-                  <a:rPr lang="en-US" altLang="zh-CN" dirty="0">
-                    <a:latin typeface="Adina" panose="020B0503020204020204" pitchFamily="34" charset="-128"/>
-                    <a:ea typeface="Adina" panose="020B0503020204020204" pitchFamily="34" charset="-128"/>
-                  </a:rPr>
-                  <a:t>STM32H7</a:t>
-                </a:r>
-                <a:r>
-                  <a:rPr lang="zh-CN" altLang="en-US" dirty="0">
-                    <a:latin typeface="Adina" panose="020B0503020204020204" pitchFamily="34" charset="-128"/>
-                    <a:ea typeface="Adina" panose="020B0503020204020204" pitchFamily="34" charset="-128"/>
-                  </a:rPr>
-                  <a:t>核心板</a:t>
-                </a:r>
-              </a:p>
-            </p:txBody>
-          </p:sp>
-        </p:grpSp>
+                </a:rPr>
+                <a:t>微处理器核心板</a:t>
+              </a:r>
+            </a:p>
+          </p:txBody>
+        </p:sp>
+        <p:sp>
+          <p:nvSpPr>
+            <p:cNvPr id="18" name="TextBox 17">
+              <a:extLst>
+                <a:ext uri="{FF2B5EF4-FFF2-40B4-BE49-F238E27FC236}">
+                  <a16:creationId xmlns:a16="http://schemas.microsoft.com/office/drawing/2014/main" id="{DD3E3CA9-D238-4C98-8FDE-FB49273E1519}"/>
+                </a:ext>
+              </a:extLst>
+            </p:cNvPr>
+            <p:cNvSpPr txBox="1"/>
+            <p:nvPr/>
+          </p:nvSpPr>
+          <p:spPr>
+            <a:xfrm>
+              <a:off x="5510238" y="3060683"/>
+              <a:ext cx="184731" cy="369332"/>
+            </a:xfrm>
+            <a:prstGeom prst="rect">
+              <a:avLst/>
+            </a:prstGeom>
+            <a:noFill/>
+          </p:spPr>
+          <p:txBody>
+            <a:bodyPr wrap="none" rtlCol="0">
+              <a:spAutoFit/>
+            </a:bodyPr>
+            <a:lstStyle/>
+            <a:p>
+              <a:endParaRPr lang="zh-CN" altLang="en-US" dirty="0">
+                <a:latin typeface="Adina" panose="020B0503020204020204" pitchFamily="34" charset="-128"/>
+                <a:ea typeface="Adina" panose="020B0503020204020204" pitchFamily="34" charset="-128"/>
+              </a:endParaRPr>
+            </a:p>
+          </p:txBody>
+        </p:sp>
         <p:cxnSp>
           <p:nvCxnSpPr>
             <p:cNvPr id="31" name="Straight Arrow Connector 30">
@@ -5058,6 +4795,7 @@
               </a:extLst>
             </p:cNvPr>
             <p:cNvCxnSpPr>
+              <a:cxnSpLocks/>
               <a:stCxn id="5" idx="2"/>
             </p:cNvCxnSpPr>
             <p:nvPr/>
@@ -5148,6 +4886,7 @@
               </a:extLst>
             </p:cNvPr>
             <p:cNvCxnSpPr>
+              <a:cxnSpLocks/>
               <a:stCxn id="3" idx="0"/>
             </p:cNvCxnSpPr>
             <p:nvPr/>
@@ -5193,6 +4932,7 @@
               </a:extLst>
             </p:cNvPr>
             <p:cNvCxnSpPr>
+              <a:cxnSpLocks/>
               <a:stCxn id="10" idx="0"/>
               <a:endCxn id="9" idx="2"/>
             </p:cNvCxnSpPr>
@@ -5239,6 +4979,7 @@
               </a:extLst>
             </p:cNvPr>
             <p:cNvCxnSpPr>
+              <a:cxnSpLocks/>
               <a:stCxn id="7" idx="0"/>
             </p:cNvCxnSpPr>
             <p:nvPr/>
@@ -5330,6 +5071,7 @@
               </a:extLst>
             </p:cNvPr>
             <p:cNvCxnSpPr>
+              <a:cxnSpLocks/>
               <a:stCxn id="12" idx="3"/>
               <a:endCxn id="9" idx="1"/>
             </p:cNvCxnSpPr>
@@ -5572,43 +5314,43 @@
             </a:p>
           </p:txBody>
         </p:sp>
+        <p:pic>
+          <p:nvPicPr>
+            <p:cNvPr id="32" name="Picture 31">
+              <a:extLst>
+                <a:ext uri="{FF2B5EF4-FFF2-40B4-BE49-F238E27FC236}">
+                  <a16:creationId xmlns:a16="http://schemas.microsoft.com/office/drawing/2014/main" id="{43669975-47A5-4085-B15E-6B2CA4007E46}"/>
+                </a:ext>
+              </a:extLst>
+            </p:cNvPr>
+            <p:cNvPicPr>
+              <a:picLocks noChangeAspect="1"/>
+            </p:cNvPicPr>
+            <p:nvPr/>
+          </p:nvPicPr>
+          <p:blipFill>
+            <a:blip r:embed="rId2">
+              <a:extLst>
+                <a:ext uri="{28A0092B-C50C-407E-A947-70E740481C1C}">
+                  <a14:useLocalDpi xmlns:a14="http://schemas.microsoft.com/office/drawing/2010/main" val="0"/>
+                </a:ext>
+              </a:extLst>
+            </a:blip>
+            <a:stretch>
+              <a:fillRect/>
+            </a:stretch>
+          </p:blipFill>
+          <p:spPr>
+            <a:xfrm>
+              <a:off x="4269895" y="1044342"/>
+              <a:ext cx="512064" cy="512064"/>
+            </a:xfrm>
+            <a:prstGeom prst="rect">
+              <a:avLst/>
+            </a:prstGeom>
+          </p:spPr>
+        </p:pic>
       </p:grpSp>
-      <p:pic>
-        <p:nvPicPr>
-          <p:cNvPr id="32" name="Picture 31">
-            <a:extLst>
-              <a:ext uri="{FF2B5EF4-FFF2-40B4-BE49-F238E27FC236}">
-                <a16:creationId xmlns:a16="http://schemas.microsoft.com/office/drawing/2014/main" id="{43669975-47A5-4085-B15E-6B2CA4007E46}"/>
-              </a:ext>
-            </a:extLst>
-          </p:cNvPr>
-          <p:cNvPicPr>
-            <a:picLocks noChangeAspect="1"/>
-          </p:cNvPicPr>
-          <p:nvPr/>
-        </p:nvPicPr>
-        <p:blipFill>
-          <a:blip r:embed="rId2">
-            <a:extLst>
-              <a:ext uri="{28A0092B-C50C-407E-A947-70E740481C1C}">
-                <a14:useLocalDpi xmlns:a14="http://schemas.microsoft.com/office/drawing/2010/main" val="0"/>
-              </a:ext>
-            </a:extLst>
-          </a:blip>
-          <a:stretch>
-            <a:fillRect/>
-          </a:stretch>
-        </p:blipFill>
-        <p:spPr>
-          <a:xfrm>
-            <a:off x="4269895" y="1044342"/>
-            <a:ext cx="512064" cy="512064"/>
-          </a:xfrm>
-          <a:prstGeom prst="rect">
-            <a:avLst/>
-          </a:prstGeom>
-        </p:spPr>
-      </p:pic>
     </p:spTree>
     <p:extLst>
       <p:ext uri="{BB962C8B-B14F-4D97-AF65-F5344CB8AC3E}">
@@ -8520,7 +8262,7 @@
                   <a:latin typeface="Adina" panose="020B0503020204020204" pitchFamily="34" charset="-128"/>
                   <a:ea typeface="Adina" panose="020B0503020204020204" pitchFamily="34" charset="-128"/>
                 </a:rPr>
-                <a:t>应用层数据包</a:t>
+                <a:t>帧数据部（应用层数据包）</a:t>
               </a:r>
             </a:p>
           </p:txBody>
@@ -9024,10 +8766,9 @@
             <a:p>
               <a:pPr algn="ctr"/>
               <a:r>
-                <a:rPr lang="en-US" altLang="zh-CN" dirty="0"/>
-                <a:t>UCOSII</a:t>
+                <a:rPr lang="zh-CN" altLang="en-US" dirty="0"/>
+                <a:t>操作系统</a:t>
               </a:r>
-              <a:endParaRPr lang="zh-CN" altLang="en-US" dirty="0"/>
             </a:p>
           </p:txBody>
         </p:sp>
@@ -9964,18 +9705,13 @@
             <a:p>
               <a:pPr algn="ctr"/>
               <a:r>
-                <a:rPr lang="en-US" altLang="zh-CN" dirty="0">
+                <a:rPr lang="zh-CN" altLang="en-US" dirty="0">
                   <a:latin typeface="Times New Roman" panose="02020603050405020304" pitchFamily="18" charset="0"/>
                   <a:ea typeface="宋体" panose="02010600030101010101" pitchFamily="2" charset="-122"/>
                   <a:cs typeface="Times New Roman" panose="02020603050405020304" pitchFamily="18" charset="0"/>
                 </a:rPr>
-                <a:t>µC/OS-III </a:t>
+                <a:t>操作系统</a:t>
               </a:r>
-              <a:endParaRPr lang="zh-CN" altLang="en-US" dirty="0">
-                <a:latin typeface="Times New Roman" panose="02020603050405020304" pitchFamily="18" charset="0"/>
-                <a:ea typeface="宋体" panose="02010600030101010101" pitchFamily="2" charset="-122"/>
-                <a:cs typeface="Times New Roman" panose="02020603050405020304" pitchFamily="18" charset="0"/>
-              </a:endParaRPr>
             </a:p>
           </p:txBody>
         </p:sp>
@@ -10495,7 +10231,7 @@
                   <a:latin typeface="宋体" panose="02010600030101010101" pitchFamily="2" charset="-122"/>
                   <a:ea typeface="宋体" panose="02010600030101010101" pitchFamily="2" charset="-122"/>
                 </a:rPr>
-                <a:t>监测节点数据表模块</a:t>
+                <a:t>监测节点数据储存模块</a:t>
               </a:r>
             </a:p>
           </p:txBody>

--- a/Doc/毕业论文/Img/框图.pptx
+++ b/Doc/毕业论文/Img/框图.pptx
@@ -5,15 +5,16 @@
     <p:sldMasterId id="2147483648" r:id="rId1"/>
   </p:sldMasterIdLst>
   <p:sldIdLst>
-    <p:sldId id="256" r:id="rId2"/>
-    <p:sldId id="257" r:id="rId3"/>
-    <p:sldId id="258" r:id="rId4"/>
-    <p:sldId id="259" r:id="rId5"/>
-    <p:sldId id="260" r:id="rId6"/>
-    <p:sldId id="261" r:id="rId7"/>
-    <p:sldId id="262" r:id="rId8"/>
-    <p:sldId id="263" r:id="rId9"/>
-    <p:sldId id="264" r:id="rId10"/>
+    <p:sldId id="265" r:id="rId2"/>
+    <p:sldId id="256" r:id="rId3"/>
+    <p:sldId id="257" r:id="rId4"/>
+    <p:sldId id="258" r:id="rId5"/>
+    <p:sldId id="259" r:id="rId6"/>
+    <p:sldId id="260" r:id="rId7"/>
+    <p:sldId id="261" r:id="rId8"/>
+    <p:sldId id="262" r:id="rId9"/>
+    <p:sldId id="263" r:id="rId10"/>
+    <p:sldId id="264" r:id="rId11"/>
   </p:sldIdLst>
   <p:sldSz cx="12192000" cy="6858000"/>
   <p:notesSz cx="6858000" cy="9144000"/>
@@ -269,7 +270,7 @@
           <a:p>
             <a:fld id="{D6541DAD-2F41-4861-9FE3-96CC3736A2AE}" type="datetimeFigureOut">
               <a:rPr lang="zh-CN" altLang="en-US" smtClean="0"/>
-              <a:t>2019/4/16</a:t>
+              <a:t>2019/5/4</a:t>
             </a:fld>
             <a:endParaRPr lang="zh-CN" altLang="en-US"/>
           </a:p>
@@ -469,7 +470,7 @@
           <a:p>
             <a:fld id="{D6541DAD-2F41-4861-9FE3-96CC3736A2AE}" type="datetimeFigureOut">
               <a:rPr lang="zh-CN" altLang="en-US" smtClean="0"/>
-              <a:t>2019/4/16</a:t>
+              <a:t>2019/5/4</a:t>
             </a:fld>
             <a:endParaRPr lang="zh-CN" altLang="en-US"/>
           </a:p>
@@ -679,7 +680,7 @@
           <a:p>
             <a:fld id="{D6541DAD-2F41-4861-9FE3-96CC3736A2AE}" type="datetimeFigureOut">
               <a:rPr lang="zh-CN" altLang="en-US" smtClean="0"/>
-              <a:t>2019/4/16</a:t>
+              <a:t>2019/5/4</a:t>
             </a:fld>
             <a:endParaRPr lang="zh-CN" altLang="en-US"/>
           </a:p>
@@ -879,7 +880,7 @@
           <a:p>
             <a:fld id="{D6541DAD-2F41-4861-9FE3-96CC3736A2AE}" type="datetimeFigureOut">
               <a:rPr lang="zh-CN" altLang="en-US" smtClean="0"/>
-              <a:t>2019/4/16</a:t>
+              <a:t>2019/5/4</a:t>
             </a:fld>
             <a:endParaRPr lang="zh-CN" altLang="en-US"/>
           </a:p>
@@ -1155,7 +1156,7 @@
           <a:p>
             <a:fld id="{D6541DAD-2F41-4861-9FE3-96CC3736A2AE}" type="datetimeFigureOut">
               <a:rPr lang="zh-CN" altLang="en-US" smtClean="0"/>
-              <a:t>2019/4/16</a:t>
+              <a:t>2019/5/4</a:t>
             </a:fld>
             <a:endParaRPr lang="zh-CN" altLang="en-US"/>
           </a:p>
@@ -1423,7 +1424,7 @@
           <a:p>
             <a:fld id="{D6541DAD-2F41-4861-9FE3-96CC3736A2AE}" type="datetimeFigureOut">
               <a:rPr lang="zh-CN" altLang="en-US" smtClean="0"/>
-              <a:t>2019/4/16</a:t>
+              <a:t>2019/5/4</a:t>
             </a:fld>
             <a:endParaRPr lang="zh-CN" altLang="en-US"/>
           </a:p>
@@ -1838,7 +1839,7 @@
           <a:p>
             <a:fld id="{D6541DAD-2F41-4861-9FE3-96CC3736A2AE}" type="datetimeFigureOut">
               <a:rPr lang="zh-CN" altLang="en-US" smtClean="0"/>
-              <a:t>2019/4/16</a:t>
+              <a:t>2019/5/4</a:t>
             </a:fld>
             <a:endParaRPr lang="zh-CN" altLang="en-US"/>
           </a:p>
@@ -1980,7 +1981,7 @@
           <a:p>
             <a:fld id="{D6541DAD-2F41-4861-9FE3-96CC3736A2AE}" type="datetimeFigureOut">
               <a:rPr lang="zh-CN" altLang="en-US" smtClean="0"/>
-              <a:t>2019/4/16</a:t>
+              <a:t>2019/5/4</a:t>
             </a:fld>
             <a:endParaRPr lang="zh-CN" altLang="en-US"/>
           </a:p>
@@ -2093,7 +2094,7 @@
           <a:p>
             <a:fld id="{D6541DAD-2F41-4861-9FE3-96CC3736A2AE}" type="datetimeFigureOut">
               <a:rPr lang="zh-CN" altLang="en-US" smtClean="0"/>
-              <a:t>2019/4/16</a:t>
+              <a:t>2019/5/4</a:t>
             </a:fld>
             <a:endParaRPr lang="zh-CN" altLang="en-US"/>
           </a:p>
@@ -2406,7 +2407,7 @@
           <a:p>
             <a:fld id="{D6541DAD-2F41-4861-9FE3-96CC3736A2AE}" type="datetimeFigureOut">
               <a:rPr lang="zh-CN" altLang="en-US" smtClean="0"/>
-              <a:t>2019/4/16</a:t>
+              <a:t>2019/5/4</a:t>
             </a:fld>
             <a:endParaRPr lang="zh-CN" altLang="en-US"/>
           </a:p>
@@ -2695,7 +2696,7 @@
           <a:p>
             <a:fld id="{D6541DAD-2F41-4861-9FE3-96CC3736A2AE}" type="datetimeFigureOut">
               <a:rPr lang="zh-CN" altLang="en-US" smtClean="0"/>
-              <a:t>2019/4/16</a:t>
+              <a:t>2019/5/4</a:t>
             </a:fld>
             <a:endParaRPr lang="zh-CN" altLang="en-US"/>
           </a:p>
@@ -2938,7 +2939,7 @@
           <a:p>
             <a:fld id="{D6541DAD-2F41-4861-9FE3-96CC3736A2AE}" type="datetimeFigureOut">
               <a:rPr lang="zh-CN" altLang="en-US" smtClean="0"/>
-              <a:t>2019/4/16</a:t>
+              <a:t>2019/5/4</a:t>
             </a:fld>
             <a:endParaRPr lang="zh-CN" altLang="en-US"/>
           </a:p>
@@ -3339,6 +3340,1560 @@
 </file>
 
 <file path=ppt/slides/slide1.xml><?xml version="1.0" encoding="utf-8"?>
+<p:sld xmlns:a="http://schemas.openxmlformats.org/drawingml/2006/main" xmlns:r="http://schemas.openxmlformats.org/officeDocument/2006/relationships" xmlns:p="http://schemas.openxmlformats.org/presentationml/2006/main">
+  <p:cSld>
+    <p:spTree>
+      <p:nvGrpSpPr>
+        <p:cNvPr id="1" name=""/>
+        <p:cNvGrpSpPr/>
+        <p:nvPr/>
+      </p:nvGrpSpPr>
+      <p:grpSpPr>
+        <a:xfrm>
+          <a:off x="0" y="0"/>
+          <a:ext cx="0" cy="0"/>
+          <a:chOff x="0" y="0"/>
+          <a:chExt cx="0" cy="0"/>
+        </a:xfrm>
+      </p:grpSpPr>
+      <p:grpSp>
+        <p:nvGrpSpPr>
+          <p:cNvPr id="48" name="Group 47">
+            <a:extLst>
+              <a:ext uri="{FF2B5EF4-FFF2-40B4-BE49-F238E27FC236}">
+                <a16:creationId xmlns:a16="http://schemas.microsoft.com/office/drawing/2014/main" id="{8FC82CA5-7373-4972-9688-FBECCCAE65C0}"/>
+              </a:ext>
+            </a:extLst>
+          </p:cNvPr>
+          <p:cNvGrpSpPr/>
+          <p:nvPr/>
+        </p:nvGrpSpPr>
+        <p:grpSpPr>
+          <a:xfrm>
+            <a:off x="372836" y="1527353"/>
+            <a:ext cx="11695047" cy="5163733"/>
+            <a:chOff x="372836" y="1527353"/>
+            <a:chExt cx="11695047" cy="5163733"/>
+          </a:xfrm>
+        </p:grpSpPr>
+        <p:sp>
+          <p:nvSpPr>
+            <p:cNvPr id="4" name="Rectangle: Rounded Corners 3">
+              <a:extLst>
+                <a:ext uri="{FF2B5EF4-FFF2-40B4-BE49-F238E27FC236}">
+                  <a16:creationId xmlns:a16="http://schemas.microsoft.com/office/drawing/2014/main" id="{FA4511A9-5F99-4003-B05F-D4DC9AA74952}"/>
+                </a:ext>
+              </a:extLst>
+            </p:cNvPr>
+            <p:cNvSpPr/>
+            <p:nvPr/>
+          </p:nvSpPr>
+          <p:spPr>
+            <a:xfrm>
+              <a:off x="1079852" y="5311942"/>
+              <a:ext cx="1088572" cy="537028"/>
+            </a:xfrm>
+            <a:prstGeom prst="roundRect">
+              <a:avLst/>
+            </a:prstGeom>
+          </p:spPr>
+          <p:style>
+            <a:lnRef idx="2">
+              <a:schemeClr val="accent1">
+                <a:shade val="50000"/>
+              </a:schemeClr>
+            </a:lnRef>
+            <a:fillRef idx="1">
+              <a:schemeClr val="accent1"/>
+            </a:fillRef>
+            <a:effectRef idx="0">
+              <a:schemeClr val="accent1"/>
+            </a:effectRef>
+            <a:fontRef idx="minor">
+              <a:schemeClr val="lt1"/>
+            </a:fontRef>
+          </p:style>
+          <p:txBody>
+            <a:bodyPr rtlCol="0" anchor="ctr"/>
+            <a:lstStyle/>
+            <a:p>
+              <a:pPr algn="ctr"/>
+              <a:r>
+                <a:rPr lang="zh-CN" altLang="en-US" dirty="0">
+                  <a:latin typeface="Adina" panose="020B0503020204020204" pitchFamily="34" charset="-128"/>
+                  <a:ea typeface="Adina" panose="020B0503020204020204" pitchFamily="34" charset="-128"/>
+                </a:rPr>
+                <a:t>监测点</a:t>
+              </a:r>
+            </a:p>
+          </p:txBody>
+        </p:sp>
+        <p:sp>
+          <p:nvSpPr>
+            <p:cNvPr id="5" name="Rectangle: Rounded Corners 4">
+              <a:extLst>
+                <a:ext uri="{FF2B5EF4-FFF2-40B4-BE49-F238E27FC236}">
+                  <a16:creationId xmlns:a16="http://schemas.microsoft.com/office/drawing/2014/main" id="{430C9777-D64D-498E-A0D4-F8AAEA1785D2}"/>
+                </a:ext>
+              </a:extLst>
+            </p:cNvPr>
+            <p:cNvSpPr/>
+            <p:nvPr/>
+          </p:nvSpPr>
+          <p:spPr>
+            <a:xfrm>
+              <a:off x="2364366" y="5311942"/>
+              <a:ext cx="1088572" cy="537028"/>
+            </a:xfrm>
+            <a:prstGeom prst="roundRect">
+              <a:avLst/>
+            </a:prstGeom>
+          </p:spPr>
+          <p:style>
+            <a:lnRef idx="2">
+              <a:schemeClr val="accent1">
+                <a:shade val="50000"/>
+              </a:schemeClr>
+            </a:lnRef>
+            <a:fillRef idx="1">
+              <a:schemeClr val="accent1"/>
+            </a:fillRef>
+            <a:effectRef idx="0">
+              <a:schemeClr val="accent1"/>
+            </a:effectRef>
+            <a:fontRef idx="minor">
+              <a:schemeClr val="lt1"/>
+            </a:fontRef>
+          </p:style>
+          <p:txBody>
+            <a:bodyPr rtlCol="0" anchor="ctr"/>
+            <a:lstStyle/>
+            <a:p>
+              <a:pPr algn="ctr"/>
+              <a:r>
+                <a:rPr lang="zh-CN" altLang="en-US" dirty="0">
+                  <a:latin typeface="Adina" panose="020B0503020204020204" pitchFamily="34" charset="-128"/>
+                  <a:ea typeface="Adina" panose="020B0503020204020204" pitchFamily="34" charset="-128"/>
+                </a:rPr>
+                <a:t>监测点</a:t>
+              </a:r>
+            </a:p>
+          </p:txBody>
+        </p:sp>
+        <p:sp>
+          <p:nvSpPr>
+            <p:cNvPr id="6" name="Rectangle: Rounded Corners 5">
+              <a:extLst>
+                <a:ext uri="{FF2B5EF4-FFF2-40B4-BE49-F238E27FC236}">
+                  <a16:creationId xmlns:a16="http://schemas.microsoft.com/office/drawing/2014/main" id="{8C884EC9-AAF6-4A5E-8938-CEAC1759C292}"/>
+                </a:ext>
+              </a:extLst>
+            </p:cNvPr>
+            <p:cNvSpPr/>
+            <p:nvPr/>
+          </p:nvSpPr>
+          <p:spPr>
+            <a:xfrm>
+              <a:off x="3648880" y="5311942"/>
+              <a:ext cx="1088572" cy="537028"/>
+            </a:xfrm>
+            <a:prstGeom prst="roundRect">
+              <a:avLst/>
+            </a:prstGeom>
+          </p:spPr>
+          <p:style>
+            <a:lnRef idx="2">
+              <a:schemeClr val="accent1">
+                <a:shade val="50000"/>
+              </a:schemeClr>
+            </a:lnRef>
+            <a:fillRef idx="1">
+              <a:schemeClr val="accent1"/>
+            </a:fillRef>
+            <a:effectRef idx="0">
+              <a:schemeClr val="accent1"/>
+            </a:effectRef>
+            <a:fontRef idx="minor">
+              <a:schemeClr val="lt1"/>
+            </a:fontRef>
+          </p:style>
+          <p:txBody>
+            <a:bodyPr rtlCol="0" anchor="ctr"/>
+            <a:lstStyle/>
+            <a:p>
+              <a:pPr algn="ctr"/>
+              <a:r>
+                <a:rPr lang="zh-CN" altLang="en-US" dirty="0">
+                  <a:latin typeface="Adina" panose="020B0503020204020204" pitchFamily="34" charset="-128"/>
+                  <a:ea typeface="Adina" panose="020B0503020204020204" pitchFamily="34" charset="-128"/>
+                </a:rPr>
+                <a:t>监测点</a:t>
+              </a:r>
+            </a:p>
+          </p:txBody>
+        </p:sp>
+        <p:sp>
+          <p:nvSpPr>
+            <p:cNvPr id="7" name="Rectangle: Rounded Corners 6">
+              <a:extLst>
+                <a:ext uri="{FF2B5EF4-FFF2-40B4-BE49-F238E27FC236}">
+                  <a16:creationId xmlns:a16="http://schemas.microsoft.com/office/drawing/2014/main" id="{C832053E-D538-4C40-BB79-46D92B2FEA6D}"/>
+                </a:ext>
+              </a:extLst>
+            </p:cNvPr>
+            <p:cNvSpPr/>
+            <p:nvPr/>
+          </p:nvSpPr>
+          <p:spPr>
+            <a:xfrm>
+              <a:off x="1232252" y="5464342"/>
+              <a:ext cx="1088572" cy="537028"/>
+            </a:xfrm>
+            <a:prstGeom prst="roundRect">
+              <a:avLst/>
+            </a:prstGeom>
+          </p:spPr>
+          <p:style>
+            <a:lnRef idx="2">
+              <a:schemeClr val="accent1">
+                <a:shade val="50000"/>
+              </a:schemeClr>
+            </a:lnRef>
+            <a:fillRef idx="1">
+              <a:schemeClr val="accent1"/>
+            </a:fillRef>
+            <a:effectRef idx="0">
+              <a:schemeClr val="accent1"/>
+            </a:effectRef>
+            <a:fontRef idx="minor">
+              <a:schemeClr val="lt1"/>
+            </a:fontRef>
+          </p:style>
+          <p:txBody>
+            <a:bodyPr rtlCol="0" anchor="ctr"/>
+            <a:lstStyle/>
+            <a:p>
+              <a:pPr algn="ctr"/>
+              <a:r>
+                <a:rPr lang="zh-CN" altLang="en-US" dirty="0">
+                  <a:latin typeface="Adina" panose="020B0503020204020204" pitchFamily="34" charset="-128"/>
+                  <a:ea typeface="Adina" panose="020B0503020204020204" pitchFamily="34" charset="-128"/>
+                </a:rPr>
+                <a:t>监测点</a:t>
+              </a:r>
+            </a:p>
+          </p:txBody>
+        </p:sp>
+        <p:sp>
+          <p:nvSpPr>
+            <p:cNvPr id="8" name="Rectangle: Rounded Corners 7">
+              <a:extLst>
+                <a:ext uri="{FF2B5EF4-FFF2-40B4-BE49-F238E27FC236}">
+                  <a16:creationId xmlns:a16="http://schemas.microsoft.com/office/drawing/2014/main" id="{21B4179C-B5D4-4706-BDF1-DB58706662E3}"/>
+                </a:ext>
+              </a:extLst>
+            </p:cNvPr>
+            <p:cNvSpPr/>
+            <p:nvPr/>
+          </p:nvSpPr>
+          <p:spPr>
+            <a:xfrm>
+              <a:off x="2516766" y="5464342"/>
+              <a:ext cx="1088572" cy="537028"/>
+            </a:xfrm>
+            <a:prstGeom prst="roundRect">
+              <a:avLst/>
+            </a:prstGeom>
+          </p:spPr>
+          <p:style>
+            <a:lnRef idx="2">
+              <a:schemeClr val="accent1">
+                <a:shade val="50000"/>
+              </a:schemeClr>
+            </a:lnRef>
+            <a:fillRef idx="1">
+              <a:schemeClr val="accent1"/>
+            </a:fillRef>
+            <a:effectRef idx="0">
+              <a:schemeClr val="accent1"/>
+            </a:effectRef>
+            <a:fontRef idx="minor">
+              <a:schemeClr val="lt1"/>
+            </a:fontRef>
+          </p:style>
+          <p:txBody>
+            <a:bodyPr rtlCol="0" anchor="ctr"/>
+            <a:lstStyle/>
+            <a:p>
+              <a:pPr algn="ctr"/>
+              <a:r>
+                <a:rPr lang="zh-CN" altLang="en-US" dirty="0">
+                  <a:latin typeface="Adina" panose="020B0503020204020204" pitchFamily="34" charset="-128"/>
+                  <a:ea typeface="Adina" panose="020B0503020204020204" pitchFamily="34" charset="-128"/>
+                </a:rPr>
+                <a:t>监测点</a:t>
+              </a:r>
+            </a:p>
+          </p:txBody>
+        </p:sp>
+        <p:sp>
+          <p:nvSpPr>
+            <p:cNvPr id="9" name="Rectangle: Rounded Corners 8">
+              <a:extLst>
+                <a:ext uri="{FF2B5EF4-FFF2-40B4-BE49-F238E27FC236}">
+                  <a16:creationId xmlns:a16="http://schemas.microsoft.com/office/drawing/2014/main" id="{2E0BAF6E-B30F-452C-A2E0-557DCF171D0B}"/>
+                </a:ext>
+              </a:extLst>
+            </p:cNvPr>
+            <p:cNvSpPr/>
+            <p:nvPr/>
+          </p:nvSpPr>
+          <p:spPr>
+            <a:xfrm>
+              <a:off x="3801280" y="5464342"/>
+              <a:ext cx="1088572" cy="537028"/>
+            </a:xfrm>
+            <a:prstGeom prst="roundRect">
+              <a:avLst/>
+            </a:prstGeom>
+          </p:spPr>
+          <p:style>
+            <a:lnRef idx="2">
+              <a:schemeClr val="accent1">
+                <a:shade val="50000"/>
+              </a:schemeClr>
+            </a:lnRef>
+            <a:fillRef idx="1">
+              <a:schemeClr val="accent1"/>
+            </a:fillRef>
+            <a:effectRef idx="0">
+              <a:schemeClr val="accent1"/>
+            </a:effectRef>
+            <a:fontRef idx="minor">
+              <a:schemeClr val="lt1"/>
+            </a:fontRef>
+          </p:style>
+          <p:txBody>
+            <a:bodyPr rtlCol="0" anchor="ctr"/>
+            <a:lstStyle/>
+            <a:p>
+              <a:pPr algn="ctr"/>
+              <a:r>
+                <a:rPr lang="zh-CN" altLang="en-US" dirty="0">
+                  <a:latin typeface="Adina" panose="020B0503020204020204" pitchFamily="34" charset="-128"/>
+                  <a:ea typeface="Adina" panose="020B0503020204020204" pitchFamily="34" charset="-128"/>
+                </a:rPr>
+                <a:t>监测点</a:t>
+              </a:r>
+            </a:p>
+          </p:txBody>
+        </p:sp>
+        <p:sp>
+          <p:nvSpPr>
+            <p:cNvPr id="10" name="Rectangle: Rounded Corners 9">
+              <a:extLst>
+                <a:ext uri="{FF2B5EF4-FFF2-40B4-BE49-F238E27FC236}">
+                  <a16:creationId xmlns:a16="http://schemas.microsoft.com/office/drawing/2014/main" id="{D7BAD2D1-4F54-45E6-94E3-B29E7BA0FE30}"/>
+                </a:ext>
+              </a:extLst>
+            </p:cNvPr>
+            <p:cNvSpPr/>
+            <p:nvPr/>
+          </p:nvSpPr>
+          <p:spPr>
+            <a:xfrm>
+              <a:off x="7201807" y="5326456"/>
+              <a:ext cx="1088572" cy="537028"/>
+            </a:xfrm>
+            <a:prstGeom prst="roundRect">
+              <a:avLst/>
+            </a:prstGeom>
+          </p:spPr>
+          <p:style>
+            <a:lnRef idx="2">
+              <a:schemeClr val="accent1">
+                <a:shade val="50000"/>
+              </a:schemeClr>
+            </a:lnRef>
+            <a:fillRef idx="1">
+              <a:schemeClr val="accent1"/>
+            </a:fillRef>
+            <a:effectRef idx="0">
+              <a:schemeClr val="accent1"/>
+            </a:effectRef>
+            <a:fontRef idx="minor">
+              <a:schemeClr val="lt1"/>
+            </a:fontRef>
+          </p:style>
+          <p:txBody>
+            <a:bodyPr rtlCol="0" anchor="ctr"/>
+            <a:lstStyle/>
+            <a:p>
+              <a:pPr algn="ctr"/>
+              <a:r>
+                <a:rPr lang="zh-CN" altLang="en-US" dirty="0">
+                  <a:latin typeface="Adina" panose="020B0503020204020204" pitchFamily="34" charset="-128"/>
+                  <a:ea typeface="Adina" panose="020B0503020204020204" pitchFamily="34" charset="-128"/>
+                </a:rPr>
+                <a:t>监测点</a:t>
+              </a:r>
+            </a:p>
+          </p:txBody>
+        </p:sp>
+        <p:sp>
+          <p:nvSpPr>
+            <p:cNvPr id="11" name="Rectangle: Rounded Corners 10">
+              <a:extLst>
+                <a:ext uri="{FF2B5EF4-FFF2-40B4-BE49-F238E27FC236}">
+                  <a16:creationId xmlns:a16="http://schemas.microsoft.com/office/drawing/2014/main" id="{25B07246-F2DA-4D36-80B3-40C073EE0B42}"/>
+                </a:ext>
+              </a:extLst>
+            </p:cNvPr>
+            <p:cNvSpPr/>
+            <p:nvPr/>
+          </p:nvSpPr>
+          <p:spPr>
+            <a:xfrm>
+              <a:off x="8486321" y="5326456"/>
+              <a:ext cx="1088572" cy="537028"/>
+            </a:xfrm>
+            <a:prstGeom prst="roundRect">
+              <a:avLst/>
+            </a:prstGeom>
+          </p:spPr>
+          <p:style>
+            <a:lnRef idx="2">
+              <a:schemeClr val="accent1">
+                <a:shade val="50000"/>
+              </a:schemeClr>
+            </a:lnRef>
+            <a:fillRef idx="1">
+              <a:schemeClr val="accent1"/>
+            </a:fillRef>
+            <a:effectRef idx="0">
+              <a:schemeClr val="accent1"/>
+            </a:effectRef>
+            <a:fontRef idx="minor">
+              <a:schemeClr val="lt1"/>
+            </a:fontRef>
+          </p:style>
+          <p:txBody>
+            <a:bodyPr rtlCol="0" anchor="ctr"/>
+            <a:lstStyle/>
+            <a:p>
+              <a:pPr algn="ctr"/>
+              <a:r>
+                <a:rPr lang="zh-CN" altLang="en-US" dirty="0">
+                  <a:latin typeface="Adina" panose="020B0503020204020204" pitchFamily="34" charset="-128"/>
+                  <a:ea typeface="Adina" panose="020B0503020204020204" pitchFamily="34" charset="-128"/>
+                </a:rPr>
+                <a:t>监测点</a:t>
+              </a:r>
+            </a:p>
+          </p:txBody>
+        </p:sp>
+        <p:sp>
+          <p:nvSpPr>
+            <p:cNvPr id="12" name="Rectangle: Rounded Corners 11">
+              <a:extLst>
+                <a:ext uri="{FF2B5EF4-FFF2-40B4-BE49-F238E27FC236}">
+                  <a16:creationId xmlns:a16="http://schemas.microsoft.com/office/drawing/2014/main" id="{21727D89-052F-4D4D-98E0-8B7428A777CE}"/>
+                </a:ext>
+              </a:extLst>
+            </p:cNvPr>
+            <p:cNvSpPr/>
+            <p:nvPr/>
+          </p:nvSpPr>
+          <p:spPr>
+            <a:xfrm>
+              <a:off x="9770835" y="5326456"/>
+              <a:ext cx="1088572" cy="537028"/>
+            </a:xfrm>
+            <a:prstGeom prst="roundRect">
+              <a:avLst/>
+            </a:prstGeom>
+          </p:spPr>
+          <p:style>
+            <a:lnRef idx="2">
+              <a:schemeClr val="accent1">
+                <a:shade val="50000"/>
+              </a:schemeClr>
+            </a:lnRef>
+            <a:fillRef idx="1">
+              <a:schemeClr val="accent1"/>
+            </a:fillRef>
+            <a:effectRef idx="0">
+              <a:schemeClr val="accent1"/>
+            </a:effectRef>
+            <a:fontRef idx="minor">
+              <a:schemeClr val="lt1"/>
+            </a:fontRef>
+          </p:style>
+          <p:txBody>
+            <a:bodyPr rtlCol="0" anchor="ctr"/>
+            <a:lstStyle/>
+            <a:p>
+              <a:pPr algn="ctr"/>
+              <a:r>
+                <a:rPr lang="zh-CN" altLang="en-US" dirty="0">
+                  <a:latin typeface="Adina" panose="020B0503020204020204" pitchFamily="34" charset="-128"/>
+                  <a:ea typeface="Adina" panose="020B0503020204020204" pitchFamily="34" charset="-128"/>
+                </a:rPr>
+                <a:t>监测点</a:t>
+              </a:r>
+            </a:p>
+          </p:txBody>
+        </p:sp>
+        <p:sp>
+          <p:nvSpPr>
+            <p:cNvPr id="13" name="Rectangle: Rounded Corners 12">
+              <a:extLst>
+                <a:ext uri="{FF2B5EF4-FFF2-40B4-BE49-F238E27FC236}">
+                  <a16:creationId xmlns:a16="http://schemas.microsoft.com/office/drawing/2014/main" id="{B949B679-FAFE-4ED9-B1A6-AF2F1B1260EA}"/>
+                </a:ext>
+              </a:extLst>
+            </p:cNvPr>
+            <p:cNvSpPr/>
+            <p:nvPr/>
+          </p:nvSpPr>
+          <p:spPr>
+            <a:xfrm>
+              <a:off x="7354207" y="5478856"/>
+              <a:ext cx="1088572" cy="537028"/>
+            </a:xfrm>
+            <a:prstGeom prst="roundRect">
+              <a:avLst/>
+            </a:prstGeom>
+          </p:spPr>
+          <p:style>
+            <a:lnRef idx="2">
+              <a:schemeClr val="accent1">
+                <a:shade val="50000"/>
+              </a:schemeClr>
+            </a:lnRef>
+            <a:fillRef idx="1">
+              <a:schemeClr val="accent1"/>
+            </a:fillRef>
+            <a:effectRef idx="0">
+              <a:schemeClr val="accent1"/>
+            </a:effectRef>
+            <a:fontRef idx="minor">
+              <a:schemeClr val="lt1"/>
+            </a:fontRef>
+          </p:style>
+          <p:txBody>
+            <a:bodyPr rtlCol="0" anchor="ctr"/>
+            <a:lstStyle/>
+            <a:p>
+              <a:pPr algn="ctr"/>
+              <a:r>
+                <a:rPr lang="zh-CN" altLang="en-US" dirty="0">
+                  <a:latin typeface="Adina" panose="020B0503020204020204" pitchFamily="34" charset="-128"/>
+                  <a:ea typeface="Adina" panose="020B0503020204020204" pitchFamily="34" charset="-128"/>
+                </a:rPr>
+                <a:t>监测点</a:t>
+              </a:r>
+            </a:p>
+          </p:txBody>
+        </p:sp>
+        <p:sp>
+          <p:nvSpPr>
+            <p:cNvPr id="14" name="Rectangle: Rounded Corners 13">
+              <a:extLst>
+                <a:ext uri="{FF2B5EF4-FFF2-40B4-BE49-F238E27FC236}">
+                  <a16:creationId xmlns:a16="http://schemas.microsoft.com/office/drawing/2014/main" id="{C36477C7-DC3E-42C2-9A06-E8F5CBE39EF2}"/>
+                </a:ext>
+              </a:extLst>
+            </p:cNvPr>
+            <p:cNvSpPr/>
+            <p:nvPr/>
+          </p:nvSpPr>
+          <p:spPr>
+            <a:xfrm>
+              <a:off x="8638721" y="5478856"/>
+              <a:ext cx="1088572" cy="537028"/>
+            </a:xfrm>
+            <a:prstGeom prst="roundRect">
+              <a:avLst/>
+            </a:prstGeom>
+          </p:spPr>
+          <p:style>
+            <a:lnRef idx="2">
+              <a:schemeClr val="accent1">
+                <a:shade val="50000"/>
+              </a:schemeClr>
+            </a:lnRef>
+            <a:fillRef idx="1">
+              <a:schemeClr val="accent1"/>
+            </a:fillRef>
+            <a:effectRef idx="0">
+              <a:schemeClr val="accent1"/>
+            </a:effectRef>
+            <a:fontRef idx="minor">
+              <a:schemeClr val="lt1"/>
+            </a:fontRef>
+          </p:style>
+          <p:txBody>
+            <a:bodyPr rtlCol="0" anchor="ctr"/>
+            <a:lstStyle/>
+            <a:p>
+              <a:pPr algn="ctr"/>
+              <a:r>
+                <a:rPr lang="zh-CN" altLang="en-US" dirty="0">
+                  <a:latin typeface="Adina" panose="020B0503020204020204" pitchFamily="34" charset="-128"/>
+                  <a:ea typeface="Adina" panose="020B0503020204020204" pitchFamily="34" charset="-128"/>
+                </a:rPr>
+                <a:t>监测点</a:t>
+              </a:r>
+            </a:p>
+          </p:txBody>
+        </p:sp>
+        <p:sp>
+          <p:nvSpPr>
+            <p:cNvPr id="15" name="Rectangle: Rounded Corners 14">
+              <a:extLst>
+                <a:ext uri="{FF2B5EF4-FFF2-40B4-BE49-F238E27FC236}">
+                  <a16:creationId xmlns:a16="http://schemas.microsoft.com/office/drawing/2014/main" id="{F091AF2E-22CD-46C8-BC64-35C76C062109}"/>
+                </a:ext>
+              </a:extLst>
+            </p:cNvPr>
+            <p:cNvSpPr/>
+            <p:nvPr/>
+          </p:nvSpPr>
+          <p:spPr>
+            <a:xfrm>
+              <a:off x="9923235" y="5478856"/>
+              <a:ext cx="1088572" cy="537028"/>
+            </a:xfrm>
+            <a:prstGeom prst="roundRect">
+              <a:avLst/>
+            </a:prstGeom>
+          </p:spPr>
+          <p:style>
+            <a:lnRef idx="2">
+              <a:schemeClr val="accent1">
+                <a:shade val="50000"/>
+              </a:schemeClr>
+            </a:lnRef>
+            <a:fillRef idx="1">
+              <a:schemeClr val="accent1"/>
+            </a:fillRef>
+            <a:effectRef idx="0">
+              <a:schemeClr val="accent1"/>
+            </a:effectRef>
+            <a:fontRef idx="minor">
+              <a:schemeClr val="lt1"/>
+            </a:fontRef>
+          </p:style>
+          <p:txBody>
+            <a:bodyPr rtlCol="0" anchor="ctr"/>
+            <a:lstStyle/>
+            <a:p>
+              <a:pPr algn="ctr"/>
+              <a:r>
+                <a:rPr lang="zh-CN" altLang="en-US" dirty="0">
+                  <a:latin typeface="Adina" panose="020B0503020204020204" pitchFamily="34" charset="-128"/>
+                  <a:ea typeface="Adina" panose="020B0503020204020204" pitchFamily="34" charset="-128"/>
+                </a:rPr>
+                <a:t>监测点</a:t>
+              </a:r>
+            </a:p>
+          </p:txBody>
+        </p:sp>
+        <p:sp>
+          <p:nvSpPr>
+            <p:cNvPr id="16" name="Rectangle 15">
+              <a:extLst>
+                <a:ext uri="{FF2B5EF4-FFF2-40B4-BE49-F238E27FC236}">
+                  <a16:creationId xmlns:a16="http://schemas.microsoft.com/office/drawing/2014/main" id="{2C52AFE9-B2B2-4C7C-8D62-858CF756DDBE}"/>
+                </a:ext>
+              </a:extLst>
+            </p:cNvPr>
+            <p:cNvSpPr/>
+            <p:nvPr/>
+          </p:nvSpPr>
+          <p:spPr>
+            <a:xfrm>
+              <a:off x="372836" y="2879129"/>
+              <a:ext cx="11446329" cy="3811957"/>
+            </a:xfrm>
+            <a:prstGeom prst="rect">
+              <a:avLst/>
+            </a:prstGeom>
+            <a:noFill/>
+            <a:ln>
+              <a:prstDash val="lgDashDot"/>
+            </a:ln>
+          </p:spPr>
+          <p:style>
+            <a:lnRef idx="2">
+              <a:schemeClr val="accent1">
+                <a:shade val="50000"/>
+              </a:schemeClr>
+            </a:lnRef>
+            <a:fillRef idx="1">
+              <a:schemeClr val="accent1"/>
+            </a:fillRef>
+            <a:effectRef idx="0">
+              <a:schemeClr val="accent1"/>
+            </a:effectRef>
+            <a:fontRef idx="minor">
+              <a:schemeClr val="lt1"/>
+            </a:fontRef>
+          </p:style>
+          <p:txBody>
+            <a:bodyPr rtlCol="0" anchor="ctr"/>
+            <a:lstStyle/>
+            <a:p>
+              <a:pPr algn="ctr"/>
+              <a:endParaRPr lang="zh-CN" altLang="en-US" dirty="0"/>
+            </a:p>
+          </p:txBody>
+        </p:sp>
+        <p:sp>
+          <p:nvSpPr>
+            <p:cNvPr id="17" name="Rectangle: Rounded Corners 16">
+              <a:extLst>
+                <a:ext uri="{FF2B5EF4-FFF2-40B4-BE49-F238E27FC236}">
+                  <a16:creationId xmlns:a16="http://schemas.microsoft.com/office/drawing/2014/main" id="{93CE75DF-424E-4815-9B70-1F18C0EC7C5A}"/>
+                </a:ext>
+              </a:extLst>
+            </p:cNvPr>
+            <p:cNvSpPr/>
+            <p:nvPr/>
+          </p:nvSpPr>
+          <p:spPr>
+            <a:xfrm>
+              <a:off x="1973589" y="4295942"/>
+              <a:ext cx="2278743" cy="537028"/>
+            </a:xfrm>
+            <a:prstGeom prst="roundRect">
+              <a:avLst/>
+            </a:prstGeom>
+          </p:spPr>
+          <p:style>
+            <a:lnRef idx="2">
+              <a:schemeClr val="accent1">
+                <a:shade val="50000"/>
+              </a:schemeClr>
+            </a:lnRef>
+            <a:fillRef idx="1">
+              <a:schemeClr val="accent1"/>
+            </a:fillRef>
+            <a:effectRef idx="0">
+              <a:schemeClr val="accent1"/>
+            </a:effectRef>
+            <a:fontRef idx="minor">
+              <a:schemeClr val="lt1"/>
+            </a:fontRef>
+          </p:style>
+          <p:txBody>
+            <a:bodyPr rtlCol="0" anchor="ctr"/>
+            <a:lstStyle/>
+            <a:p>
+              <a:pPr algn="ctr"/>
+              <a:r>
+                <a:rPr lang="zh-CN" altLang="en-US" dirty="0">
+                  <a:latin typeface="Adina" panose="020B0503020204020204" pitchFamily="34" charset="-128"/>
+                  <a:ea typeface="Adina" panose="020B0503020204020204" pitchFamily="34" charset="-128"/>
+                </a:rPr>
+                <a:t>汇集点</a:t>
+              </a:r>
+            </a:p>
+          </p:txBody>
+        </p:sp>
+        <p:pic>
+          <p:nvPicPr>
+            <p:cNvPr id="21" name="Picture 20">
+              <a:extLst>
+                <a:ext uri="{FF2B5EF4-FFF2-40B4-BE49-F238E27FC236}">
+                  <a16:creationId xmlns:a16="http://schemas.microsoft.com/office/drawing/2014/main" id="{FA6F6E0D-3BE8-4F98-ADEF-9894ED6FBB3A}"/>
+                </a:ext>
+              </a:extLst>
+            </p:cNvPr>
+            <p:cNvPicPr>
+              <a:picLocks noChangeAspect="1"/>
+            </p:cNvPicPr>
+            <p:nvPr/>
+          </p:nvPicPr>
+          <p:blipFill>
+            <a:blip r:embed="rId2"/>
+            <a:stretch>
+              <a:fillRect/>
+            </a:stretch>
+          </p:blipFill>
+          <p:spPr>
+            <a:xfrm>
+              <a:off x="5288823" y="1527353"/>
+              <a:ext cx="1614354" cy="1178582"/>
+            </a:xfrm>
+            <a:prstGeom prst="rect">
+              <a:avLst/>
+            </a:prstGeom>
+          </p:spPr>
+        </p:pic>
+        <p:sp>
+          <p:nvSpPr>
+            <p:cNvPr id="23" name="Rectangle: Rounded Corners 22">
+              <a:extLst>
+                <a:ext uri="{FF2B5EF4-FFF2-40B4-BE49-F238E27FC236}">
+                  <a16:creationId xmlns:a16="http://schemas.microsoft.com/office/drawing/2014/main" id="{69D21035-AF4B-437C-8C2D-58A5D728171D}"/>
+                </a:ext>
+              </a:extLst>
+            </p:cNvPr>
+            <p:cNvSpPr/>
+            <p:nvPr/>
+          </p:nvSpPr>
+          <p:spPr>
+            <a:xfrm>
+              <a:off x="7963807" y="4295942"/>
+              <a:ext cx="2278743" cy="537028"/>
+            </a:xfrm>
+            <a:prstGeom prst="roundRect">
+              <a:avLst/>
+            </a:prstGeom>
+          </p:spPr>
+          <p:style>
+            <a:lnRef idx="2">
+              <a:schemeClr val="accent1">
+                <a:shade val="50000"/>
+              </a:schemeClr>
+            </a:lnRef>
+            <a:fillRef idx="1">
+              <a:schemeClr val="accent1"/>
+            </a:fillRef>
+            <a:effectRef idx="0">
+              <a:schemeClr val="accent1"/>
+            </a:effectRef>
+            <a:fontRef idx="minor">
+              <a:schemeClr val="lt1"/>
+            </a:fontRef>
+          </p:style>
+          <p:txBody>
+            <a:bodyPr rtlCol="0" anchor="ctr"/>
+            <a:lstStyle/>
+            <a:p>
+              <a:pPr algn="ctr"/>
+              <a:r>
+                <a:rPr lang="zh-CN" altLang="en-US" dirty="0">
+                  <a:latin typeface="Adina" panose="020B0503020204020204" pitchFamily="34" charset="-128"/>
+                  <a:ea typeface="Adina" panose="020B0503020204020204" pitchFamily="34" charset="-128"/>
+                </a:rPr>
+                <a:t>汇集点</a:t>
+              </a:r>
+            </a:p>
+          </p:txBody>
+        </p:sp>
+        <p:sp>
+          <p:nvSpPr>
+            <p:cNvPr id="24" name="Rectangle 23">
+              <a:extLst>
+                <a:ext uri="{FF2B5EF4-FFF2-40B4-BE49-F238E27FC236}">
+                  <a16:creationId xmlns:a16="http://schemas.microsoft.com/office/drawing/2014/main" id="{2F37996D-8D16-42ED-9E35-F80C3401CAC9}"/>
+                </a:ext>
+              </a:extLst>
+            </p:cNvPr>
+            <p:cNvSpPr/>
+            <p:nvPr/>
+          </p:nvSpPr>
+          <p:spPr>
+            <a:xfrm>
+              <a:off x="576588" y="3878237"/>
+              <a:ext cx="5023758" cy="2639655"/>
+            </a:xfrm>
+            <a:prstGeom prst="rect">
+              <a:avLst/>
+            </a:prstGeom>
+            <a:noFill/>
+            <a:ln>
+              <a:prstDash val="lgDashDot"/>
+            </a:ln>
+          </p:spPr>
+          <p:style>
+            <a:lnRef idx="2">
+              <a:schemeClr val="accent1">
+                <a:shade val="50000"/>
+              </a:schemeClr>
+            </a:lnRef>
+            <a:fillRef idx="1">
+              <a:schemeClr val="accent1"/>
+            </a:fillRef>
+            <a:effectRef idx="0">
+              <a:schemeClr val="accent1"/>
+            </a:effectRef>
+            <a:fontRef idx="minor">
+              <a:schemeClr val="lt1"/>
+            </a:fontRef>
+          </p:style>
+          <p:txBody>
+            <a:bodyPr rtlCol="0" anchor="ctr"/>
+            <a:lstStyle/>
+            <a:p>
+              <a:pPr algn="ctr"/>
+              <a:endParaRPr lang="zh-CN" altLang="en-US"/>
+            </a:p>
+          </p:txBody>
+        </p:sp>
+        <p:sp>
+          <p:nvSpPr>
+            <p:cNvPr id="25" name="Rectangle 24">
+              <a:extLst>
+                <a:ext uri="{FF2B5EF4-FFF2-40B4-BE49-F238E27FC236}">
+                  <a16:creationId xmlns:a16="http://schemas.microsoft.com/office/drawing/2014/main" id="{FA791FE4-C0B8-4249-8ADA-7BC17F8798D9}"/>
+                </a:ext>
+              </a:extLst>
+            </p:cNvPr>
+            <p:cNvSpPr/>
+            <p:nvPr/>
+          </p:nvSpPr>
+          <p:spPr>
+            <a:xfrm>
+              <a:off x="6591300" y="3878237"/>
+              <a:ext cx="5023758" cy="2639655"/>
+            </a:xfrm>
+            <a:prstGeom prst="rect">
+              <a:avLst/>
+            </a:prstGeom>
+            <a:noFill/>
+            <a:ln>
+              <a:prstDash val="lgDashDot"/>
+            </a:ln>
+          </p:spPr>
+          <p:style>
+            <a:lnRef idx="2">
+              <a:schemeClr val="accent1">
+                <a:shade val="50000"/>
+              </a:schemeClr>
+            </a:lnRef>
+            <a:fillRef idx="1">
+              <a:schemeClr val="accent1"/>
+            </a:fillRef>
+            <a:effectRef idx="0">
+              <a:schemeClr val="accent1"/>
+            </a:effectRef>
+            <a:fontRef idx="minor">
+              <a:schemeClr val="lt1"/>
+            </a:fontRef>
+          </p:style>
+          <p:txBody>
+            <a:bodyPr rtlCol="0" anchor="ctr"/>
+            <a:lstStyle/>
+            <a:p>
+              <a:pPr algn="ctr"/>
+              <a:endParaRPr lang="zh-CN" altLang="en-US"/>
+            </a:p>
+          </p:txBody>
+        </p:sp>
+        <p:cxnSp>
+          <p:nvCxnSpPr>
+            <p:cNvPr id="33" name="Straight Arrow Connector 32">
+              <a:extLst>
+                <a:ext uri="{FF2B5EF4-FFF2-40B4-BE49-F238E27FC236}">
+                  <a16:creationId xmlns:a16="http://schemas.microsoft.com/office/drawing/2014/main" id="{904807CE-F2EA-4157-947B-C7F1FC102AEA}"/>
+                </a:ext>
+              </a:extLst>
+            </p:cNvPr>
+            <p:cNvCxnSpPr>
+              <a:cxnSpLocks/>
+              <a:endCxn id="24" idx="0"/>
+            </p:cNvCxnSpPr>
+            <p:nvPr/>
+          </p:nvCxnSpPr>
+          <p:spPr>
+            <a:xfrm flipH="1">
+              <a:off x="3088467" y="2705935"/>
+              <a:ext cx="2620124" cy="1172302"/>
+            </a:xfrm>
+            <a:prstGeom prst="straightConnector1">
+              <a:avLst/>
+            </a:prstGeom>
+            <a:ln w="76200">
+              <a:solidFill>
+                <a:schemeClr val="accent1">
+                  <a:lumMod val="50000"/>
+                </a:schemeClr>
+              </a:solidFill>
+              <a:headEnd type="triangle"/>
+              <a:tailEnd type="triangle"/>
+            </a:ln>
+          </p:spPr>
+          <p:style>
+            <a:lnRef idx="1">
+              <a:schemeClr val="accent1"/>
+            </a:lnRef>
+            <a:fillRef idx="0">
+              <a:schemeClr val="accent1"/>
+            </a:fillRef>
+            <a:effectRef idx="0">
+              <a:schemeClr val="accent1"/>
+            </a:effectRef>
+            <a:fontRef idx="minor">
+              <a:schemeClr val="tx1"/>
+            </a:fontRef>
+          </p:style>
+        </p:cxnSp>
+        <p:cxnSp>
+          <p:nvCxnSpPr>
+            <p:cNvPr id="34" name="Straight Arrow Connector 33">
+              <a:extLst>
+                <a:ext uri="{FF2B5EF4-FFF2-40B4-BE49-F238E27FC236}">
+                  <a16:creationId xmlns:a16="http://schemas.microsoft.com/office/drawing/2014/main" id="{1FF5DE3C-FA4A-49BF-A718-DA9BDDBE638E}"/>
+                </a:ext>
+              </a:extLst>
+            </p:cNvPr>
+            <p:cNvCxnSpPr>
+              <a:cxnSpLocks/>
+            </p:cNvCxnSpPr>
+            <p:nvPr/>
+          </p:nvCxnSpPr>
+          <p:spPr>
+            <a:xfrm>
+              <a:off x="6512366" y="2716332"/>
+              <a:ext cx="2590813" cy="1151508"/>
+            </a:xfrm>
+            <a:prstGeom prst="straightConnector1">
+              <a:avLst/>
+            </a:prstGeom>
+            <a:ln w="76200">
+              <a:solidFill>
+                <a:schemeClr val="accent1">
+                  <a:lumMod val="50000"/>
+                </a:schemeClr>
+              </a:solidFill>
+              <a:headEnd type="triangle"/>
+              <a:tailEnd type="triangle"/>
+            </a:ln>
+          </p:spPr>
+          <p:style>
+            <a:lnRef idx="1">
+              <a:schemeClr val="accent1"/>
+            </a:lnRef>
+            <a:fillRef idx="0">
+              <a:schemeClr val="accent1"/>
+            </a:fillRef>
+            <a:effectRef idx="0">
+              <a:schemeClr val="accent1"/>
+            </a:effectRef>
+            <a:fontRef idx="minor">
+              <a:schemeClr val="tx1"/>
+            </a:fontRef>
+          </p:style>
+        </p:cxnSp>
+        <p:cxnSp>
+          <p:nvCxnSpPr>
+            <p:cNvPr id="36" name="Straight Arrow Connector 35">
+              <a:extLst>
+                <a:ext uri="{FF2B5EF4-FFF2-40B4-BE49-F238E27FC236}">
+                  <a16:creationId xmlns:a16="http://schemas.microsoft.com/office/drawing/2014/main" id="{B64AFB45-936C-4590-AB50-AF5BD0C46B4A}"/>
+                </a:ext>
+              </a:extLst>
+            </p:cNvPr>
+            <p:cNvCxnSpPr>
+              <a:stCxn id="17" idx="2"/>
+              <a:endCxn id="7" idx="0"/>
+            </p:cNvCxnSpPr>
+            <p:nvPr/>
+          </p:nvCxnSpPr>
+          <p:spPr>
+            <a:xfrm flipH="1">
+              <a:off x="1776538" y="4832970"/>
+              <a:ext cx="1336423" cy="631372"/>
+            </a:xfrm>
+            <a:prstGeom prst="straightConnector1">
+              <a:avLst/>
+            </a:prstGeom>
+            <a:ln w="38100">
+              <a:headEnd type="triangle"/>
+              <a:tailEnd type="triangle"/>
+            </a:ln>
+          </p:spPr>
+          <p:style>
+            <a:lnRef idx="1">
+              <a:schemeClr val="accent1"/>
+            </a:lnRef>
+            <a:fillRef idx="0">
+              <a:schemeClr val="accent1"/>
+            </a:fillRef>
+            <a:effectRef idx="0">
+              <a:schemeClr val="accent1"/>
+            </a:effectRef>
+            <a:fontRef idx="minor">
+              <a:schemeClr val="tx1"/>
+            </a:fontRef>
+          </p:style>
+        </p:cxnSp>
+        <p:cxnSp>
+          <p:nvCxnSpPr>
+            <p:cNvPr id="37" name="Straight Arrow Connector 36">
+              <a:extLst>
+                <a:ext uri="{FF2B5EF4-FFF2-40B4-BE49-F238E27FC236}">
+                  <a16:creationId xmlns:a16="http://schemas.microsoft.com/office/drawing/2014/main" id="{248E639B-90A5-42E9-8C24-AD68D8E985E3}"/>
+                </a:ext>
+              </a:extLst>
+            </p:cNvPr>
+            <p:cNvCxnSpPr>
+              <a:stCxn id="17" idx="2"/>
+              <a:endCxn id="8" idx="0"/>
+            </p:cNvCxnSpPr>
+            <p:nvPr/>
+          </p:nvCxnSpPr>
+          <p:spPr>
+            <a:xfrm flipH="1">
+              <a:off x="3061052" y="4832970"/>
+              <a:ext cx="51909" cy="631372"/>
+            </a:xfrm>
+            <a:prstGeom prst="straightConnector1">
+              <a:avLst/>
+            </a:prstGeom>
+            <a:ln w="38100">
+              <a:headEnd type="triangle"/>
+              <a:tailEnd type="triangle"/>
+            </a:ln>
+          </p:spPr>
+          <p:style>
+            <a:lnRef idx="1">
+              <a:schemeClr val="accent1"/>
+            </a:lnRef>
+            <a:fillRef idx="0">
+              <a:schemeClr val="accent1"/>
+            </a:fillRef>
+            <a:effectRef idx="0">
+              <a:schemeClr val="accent1"/>
+            </a:effectRef>
+            <a:fontRef idx="minor">
+              <a:schemeClr val="tx1"/>
+            </a:fontRef>
+          </p:style>
+        </p:cxnSp>
+        <p:cxnSp>
+          <p:nvCxnSpPr>
+            <p:cNvPr id="38" name="Straight Arrow Connector 37">
+              <a:extLst>
+                <a:ext uri="{FF2B5EF4-FFF2-40B4-BE49-F238E27FC236}">
+                  <a16:creationId xmlns:a16="http://schemas.microsoft.com/office/drawing/2014/main" id="{8BEB53C6-7ADA-48DF-B958-BDD79B435736}"/>
+                </a:ext>
+              </a:extLst>
+            </p:cNvPr>
+            <p:cNvCxnSpPr>
+              <a:stCxn id="17" idx="2"/>
+              <a:endCxn id="9" idx="0"/>
+            </p:cNvCxnSpPr>
+            <p:nvPr/>
+          </p:nvCxnSpPr>
+          <p:spPr>
+            <a:xfrm>
+              <a:off x="3112961" y="4832970"/>
+              <a:ext cx="1232605" cy="631372"/>
+            </a:xfrm>
+            <a:prstGeom prst="straightConnector1">
+              <a:avLst/>
+            </a:prstGeom>
+            <a:ln w="38100">
+              <a:headEnd type="triangle"/>
+              <a:tailEnd type="triangle"/>
+            </a:ln>
+          </p:spPr>
+          <p:style>
+            <a:lnRef idx="1">
+              <a:schemeClr val="accent1"/>
+            </a:lnRef>
+            <a:fillRef idx="0">
+              <a:schemeClr val="accent1"/>
+            </a:fillRef>
+            <a:effectRef idx="0">
+              <a:schemeClr val="accent1"/>
+            </a:effectRef>
+            <a:fontRef idx="minor">
+              <a:schemeClr val="tx1"/>
+            </a:fontRef>
+          </p:style>
+        </p:cxnSp>
+        <p:cxnSp>
+          <p:nvCxnSpPr>
+            <p:cNvPr id="39" name="Straight Arrow Connector 38">
+              <a:extLst>
+                <a:ext uri="{FF2B5EF4-FFF2-40B4-BE49-F238E27FC236}">
+                  <a16:creationId xmlns:a16="http://schemas.microsoft.com/office/drawing/2014/main" id="{74A7B42F-254B-40CB-9D7A-B5564B99A094}"/>
+                </a:ext>
+              </a:extLst>
+            </p:cNvPr>
+            <p:cNvCxnSpPr>
+              <a:stCxn id="23" idx="2"/>
+              <a:endCxn id="13" idx="0"/>
+            </p:cNvCxnSpPr>
+            <p:nvPr/>
+          </p:nvCxnSpPr>
+          <p:spPr>
+            <a:xfrm flipH="1">
+              <a:off x="7898493" y="4832970"/>
+              <a:ext cx="1204686" cy="645886"/>
+            </a:xfrm>
+            <a:prstGeom prst="straightConnector1">
+              <a:avLst/>
+            </a:prstGeom>
+            <a:ln w="38100">
+              <a:headEnd type="triangle"/>
+              <a:tailEnd type="triangle"/>
+            </a:ln>
+          </p:spPr>
+          <p:style>
+            <a:lnRef idx="1">
+              <a:schemeClr val="accent1"/>
+            </a:lnRef>
+            <a:fillRef idx="0">
+              <a:schemeClr val="accent1"/>
+            </a:fillRef>
+            <a:effectRef idx="0">
+              <a:schemeClr val="accent1"/>
+            </a:effectRef>
+            <a:fontRef idx="minor">
+              <a:schemeClr val="tx1"/>
+            </a:fontRef>
+          </p:style>
+        </p:cxnSp>
+        <p:cxnSp>
+          <p:nvCxnSpPr>
+            <p:cNvPr id="40" name="Straight Arrow Connector 39">
+              <a:extLst>
+                <a:ext uri="{FF2B5EF4-FFF2-40B4-BE49-F238E27FC236}">
+                  <a16:creationId xmlns:a16="http://schemas.microsoft.com/office/drawing/2014/main" id="{B073B9B1-6930-4B8B-90DE-4F2F891C9578}"/>
+                </a:ext>
+              </a:extLst>
+            </p:cNvPr>
+            <p:cNvCxnSpPr>
+              <a:stCxn id="23" idx="2"/>
+              <a:endCxn id="14" idx="0"/>
+            </p:cNvCxnSpPr>
+            <p:nvPr/>
+          </p:nvCxnSpPr>
+          <p:spPr>
+            <a:xfrm>
+              <a:off x="9103179" y="4832970"/>
+              <a:ext cx="79828" cy="645886"/>
+            </a:xfrm>
+            <a:prstGeom prst="straightConnector1">
+              <a:avLst/>
+            </a:prstGeom>
+            <a:ln w="38100">
+              <a:headEnd type="triangle"/>
+              <a:tailEnd type="triangle"/>
+            </a:ln>
+          </p:spPr>
+          <p:style>
+            <a:lnRef idx="1">
+              <a:schemeClr val="accent1"/>
+            </a:lnRef>
+            <a:fillRef idx="0">
+              <a:schemeClr val="accent1"/>
+            </a:fillRef>
+            <a:effectRef idx="0">
+              <a:schemeClr val="accent1"/>
+            </a:effectRef>
+            <a:fontRef idx="minor">
+              <a:schemeClr val="tx1"/>
+            </a:fontRef>
+          </p:style>
+        </p:cxnSp>
+        <p:cxnSp>
+          <p:nvCxnSpPr>
+            <p:cNvPr id="41" name="Straight Arrow Connector 40">
+              <a:extLst>
+                <a:ext uri="{FF2B5EF4-FFF2-40B4-BE49-F238E27FC236}">
+                  <a16:creationId xmlns:a16="http://schemas.microsoft.com/office/drawing/2014/main" id="{97ED74F5-BED5-43BF-9341-9542AC665800}"/>
+                </a:ext>
+              </a:extLst>
+            </p:cNvPr>
+            <p:cNvCxnSpPr>
+              <a:stCxn id="23" idx="2"/>
+              <a:endCxn id="15" idx="0"/>
+            </p:cNvCxnSpPr>
+            <p:nvPr/>
+          </p:nvCxnSpPr>
+          <p:spPr>
+            <a:xfrm>
+              <a:off x="9103179" y="4832970"/>
+              <a:ext cx="1364342" cy="645886"/>
+            </a:xfrm>
+            <a:prstGeom prst="straightConnector1">
+              <a:avLst/>
+            </a:prstGeom>
+            <a:ln w="38100">
+              <a:headEnd type="triangle"/>
+              <a:tailEnd type="triangle"/>
+            </a:ln>
+          </p:spPr>
+          <p:style>
+            <a:lnRef idx="1">
+              <a:schemeClr val="accent1"/>
+            </a:lnRef>
+            <a:fillRef idx="0">
+              <a:schemeClr val="accent1"/>
+            </a:fillRef>
+            <a:effectRef idx="0">
+              <a:schemeClr val="accent1"/>
+            </a:effectRef>
+            <a:fontRef idx="minor">
+              <a:schemeClr val="tx1"/>
+            </a:fontRef>
+          </p:style>
+        </p:cxnSp>
+        <p:sp>
+          <p:nvSpPr>
+            <p:cNvPr id="42" name="TextBox 41">
+              <a:extLst>
+                <a:ext uri="{FF2B5EF4-FFF2-40B4-BE49-F238E27FC236}">
+                  <a16:creationId xmlns:a16="http://schemas.microsoft.com/office/drawing/2014/main" id="{66E79CFF-F5C7-447C-A8A6-8F8FF5DADE62}"/>
+                </a:ext>
+              </a:extLst>
+            </p:cNvPr>
+            <p:cNvSpPr txBox="1"/>
+            <p:nvPr/>
+          </p:nvSpPr>
+          <p:spPr>
+            <a:xfrm>
+              <a:off x="4824171" y="6120603"/>
+              <a:ext cx="776175" cy="369332"/>
+            </a:xfrm>
+            <a:prstGeom prst="rect">
+              <a:avLst/>
+            </a:prstGeom>
+            <a:noFill/>
+          </p:spPr>
+          <p:txBody>
+            <a:bodyPr wrap="none" rtlCol="0">
+              <a:spAutoFit/>
+            </a:bodyPr>
+            <a:lstStyle/>
+            <a:p>
+              <a:r>
+                <a:rPr lang="zh-CN" altLang="en-US" b="1" dirty="0">
+                  <a:solidFill>
+                    <a:schemeClr val="accent1"/>
+                  </a:solidFill>
+                </a:rPr>
+                <a:t>机房</a:t>
+              </a:r>
+              <a:r>
+                <a:rPr lang="en-US" altLang="zh-CN" b="1" dirty="0">
+                  <a:solidFill>
+                    <a:schemeClr val="accent1"/>
+                  </a:solidFill>
+                </a:rPr>
+                <a:t>1</a:t>
+              </a:r>
+              <a:endParaRPr lang="zh-CN" altLang="en-US" b="1" dirty="0">
+                <a:solidFill>
+                  <a:schemeClr val="accent1"/>
+                </a:solidFill>
+              </a:endParaRPr>
+            </a:p>
+          </p:txBody>
+        </p:sp>
+        <p:sp>
+          <p:nvSpPr>
+            <p:cNvPr id="43" name="TextBox 42">
+              <a:extLst>
+                <a:ext uri="{FF2B5EF4-FFF2-40B4-BE49-F238E27FC236}">
+                  <a16:creationId xmlns:a16="http://schemas.microsoft.com/office/drawing/2014/main" id="{11E1583C-6016-43E3-B2A7-E59E159572E9}"/>
+                </a:ext>
+              </a:extLst>
+            </p:cNvPr>
+            <p:cNvSpPr txBox="1"/>
+            <p:nvPr/>
+          </p:nvSpPr>
+          <p:spPr>
+            <a:xfrm>
+              <a:off x="10834347" y="6120735"/>
+              <a:ext cx="776175" cy="369332"/>
+            </a:xfrm>
+            <a:prstGeom prst="rect">
+              <a:avLst/>
+            </a:prstGeom>
+            <a:noFill/>
+          </p:spPr>
+          <p:txBody>
+            <a:bodyPr wrap="none" rtlCol="0">
+              <a:spAutoFit/>
+            </a:bodyPr>
+            <a:lstStyle/>
+            <a:p>
+              <a:r>
+                <a:rPr lang="zh-CN" altLang="en-US" b="1" dirty="0">
+                  <a:solidFill>
+                    <a:schemeClr val="accent1"/>
+                  </a:solidFill>
+                </a:rPr>
+                <a:t>机房</a:t>
+              </a:r>
+              <a:r>
+                <a:rPr lang="en-US" altLang="zh-CN" b="1" dirty="0">
+                  <a:solidFill>
+                    <a:schemeClr val="accent1"/>
+                  </a:solidFill>
+                </a:rPr>
+                <a:t>2</a:t>
+              </a:r>
+              <a:endParaRPr lang="zh-CN" altLang="en-US" b="1" dirty="0">
+                <a:solidFill>
+                  <a:schemeClr val="accent1"/>
+                </a:solidFill>
+              </a:endParaRPr>
+            </a:p>
+          </p:txBody>
+        </p:sp>
+        <p:sp>
+          <p:nvSpPr>
+            <p:cNvPr id="44" name="TextBox 43">
+              <a:extLst>
+                <a:ext uri="{FF2B5EF4-FFF2-40B4-BE49-F238E27FC236}">
+                  <a16:creationId xmlns:a16="http://schemas.microsoft.com/office/drawing/2014/main" id="{E5DB3524-4865-4C96-905C-9BECDD503487}"/>
+                </a:ext>
+              </a:extLst>
+            </p:cNvPr>
+            <p:cNvSpPr txBox="1"/>
+            <p:nvPr/>
+          </p:nvSpPr>
+          <p:spPr>
+            <a:xfrm>
+              <a:off x="9574893" y="2893262"/>
+              <a:ext cx="2492990" cy="369332"/>
+            </a:xfrm>
+            <a:prstGeom prst="rect">
+              <a:avLst/>
+            </a:prstGeom>
+            <a:noFill/>
+          </p:spPr>
+          <p:txBody>
+            <a:bodyPr wrap="none" rtlCol="0">
+              <a:spAutoFit/>
+            </a:bodyPr>
+            <a:lstStyle/>
+            <a:p>
+              <a:r>
+                <a:rPr lang="zh-CN" altLang="en-US" b="1" dirty="0">
+                  <a:solidFill>
+                    <a:schemeClr val="accent1"/>
+                  </a:solidFill>
+                </a:rPr>
+                <a:t>数据中心侧（下位机）</a:t>
+              </a:r>
+            </a:p>
+          </p:txBody>
+        </p:sp>
+        <p:sp>
+          <p:nvSpPr>
+            <p:cNvPr id="45" name="TextBox 44">
+              <a:extLst>
+                <a:ext uri="{FF2B5EF4-FFF2-40B4-BE49-F238E27FC236}">
+                  <a16:creationId xmlns:a16="http://schemas.microsoft.com/office/drawing/2014/main" id="{92C99D1D-3F8E-41C1-BB97-E343B4FA0282}"/>
+                </a:ext>
+              </a:extLst>
+            </p:cNvPr>
+            <p:cNvSpPr txBox="1"/>
+            <p:nvPr/>
+          </p:nvSpPr>
+          <p:spPr>
+            <a:xfrm>
+              <a:off x="10036558" y="2510999"/>
+              <a:ext cx="2031325" cy="369332"/>
+            </a:xfrm>
+            <a:prstGeom prst="rect">
+              <a:avLst/>
+            </a:prstGeom>
+            <a:noFill/>
+          </p:spPr>
+          <p:txBody>
+            <a:bodyPr wrap="none" rtlCol="0">
+              <a:spAutoFit/>
+            </a:bodyPr>
+            <a:lstStyle/>
+            <a:p>
+              <a:r>
+                <a:rPr lang="zh-CN" altLang="en-US" b="1" dirty="0">
+                  <a:solidFill>
+                    <a:schemeClr val="accent1"/>
+                  </a:solidFill>
+                </a:rPr>
+                <a:t>用户侧（上位机）</a:t>
+              </a:r>
+            </a:p>
+          </p:txBody>
+        </p:sp>
+      </p:grpSp>
+    </p:spTree>
+    <p:extLst>
+      <p:ext uri="{BB962C8B-B14F-4D97-AF65-F5344CB8AC3E}">
+        <p14:creationId xmlns:p14="http://schemas.microsoft.com/office/powerpoint/2010/main" val="3756131867"/>
+      </p:ext>
+    </p:extLst>
+  </p:cSld>
+  <p:clrMapOvr>
+    <a:masterClrMapping/>
+  </p:clrMapOvr>
+</p:sld>
+</file>
+
+<file path=ppt/slides/slide10.xml><?xml version="1.0" encoding="utf-8"?>
+<p:sld xmlns:a="http://schemas.openxmlformats.org/drawingml/2006/main" xmlns:r="http://schemas.openxmlformats.org/officeDocument/2006/relationships" xmlns:p="http://schemas.openxmlformats.org/presentationml/2006/main">
+  <p:cSld>
+    <p:spTree>
+      <p:nvGrpSpPr>
+        <p:cNvPr id="1" name=""/>
+        <p:cNvGrpSpPr/>
+        <p:nvPr/>
+      </p:nvGrpSpPr>
+      <p:grpSpPr>
+        <a:xfrm>
+          <a:off x="0" y="0"/>
+          <a:ext cx="0" cy="0"/>
+          <a:chOff x="0" y="0"/>
+          <a:chExt cx="0" cy="0"/>
+        </a:xfrm>
+      </p:grpSpPr>
+      <p:pic>
+        <p:nvPicPr>
+          <p:cNvPr id="4" name="Picture 3">
+            <a:extLst>
+              <a:ext uri="{FF2B5EF4-FFF2-40B4-BE49-F238E27FC236}">
+                <a16:creationId xmlns:a16="http://schemas.microsoft.com/office/drawing/2014/main" id="{78F1018F-665B-4F03-92C3-A42C2F5C50B1}"/>
+              </a:ext>
+            </a:extLst>
+          </p:cNvPr>
+          <p:cNvPicPr>
+            <a:picLocks noChangeAspect="1"/>
+          </p:cNvPicPr>
+          <p:nvPr/>
+        </p:nvPicPr>
+        <p:blipFill>
+          <a:blip r:embed="rId2"/>
+          <a:stretch>
+            <a:fillRect/>
+          </a:stretch>
+        </p:blipFill>
+        <p:spPr>
+          <a:xfrm>
+            <a:off x="4518535" y="2642390"/>
+            <a:ext cx="3154929" cy="1573219"/>
+          </a:xfrm>
+          <a:prstGeom prst="rect">
+            <a:avLst/>
+          </a:prstGeom>
+        </p:spPr>
+      </p:pic>
+    </p:spTree>
+    <p:extLst>
+      <p:ext uri="{BB962C8B-B14F-4D97-AF65-F5344CB8AC3E}">
+        <p14:creationId xmlns:p14="http://schemas.microsoft.com/office/powerpoint/2010/main" val="1068249195"/>
+      </p:ext>
+    </p:extLst>
+  </p:cSld>
+  <p:clrMapOvr>
+    <a:masterClrMapping/>
+  </p:clrMapOvr>
+</p:sld>
+</file>
+
+<file path=ppt/slides/slide2.xml><?xml version="1.0" encoding="utf-8"?>
 <p:sld xmlns:a="http://schemas.openxmlformats.org/drawingml/2006/main" xmlns:r="http://schemas.openxmlformats.org/officeDocument/2006/relationships" xmlns:p="http://schemas.openxmlformats.org/presentationml/2006/main">
   <p:cSld>
     <p:spTree>
@@ -4087,7 +5642,7 @@
 </p:sld>
 </file>
 
-<file path=ppt/slides/slide2.xml><?xml version="1.0" encoding="utf-8"?>
+<file path=ppt/slides/slide3.xml><?xml version="1.0" encoding="utf-8"?>
 <p:sld xmlns:a="http://schemas.openxmlformats.org/drawingml/2006/main" xmlns:r="http://schemas.openxmlformats.org/officeDocument/2006/relationships" xmlns:p="http://schemas.openxmlformats.org/presentationml/2006/main">
   <p:cSld>
     <p:spTree>
@@ -5364,7 +6919,7 @@
 </p:sld>
 </file>
 
-<file path=ppt/slides/slide3.xml><?xml version="1.0" encoding="utf-8"?>
+<file path=ppt/slides/slide4.xml><?xml version="1.0" encoding="utf-8"?>
 <p:sld xmlns:a="http://schemas.openxmlformats.org/drawingml/2006/main" xmlns:r="http://schemas.openxmlformats.org/officeDocument/2006/relationships" xmlns:p="http://schemas.openxmlformats.org/presentationml/2006/main">
   <p:cSld>
     <p:spTree>
@@ -5745,8 +7300,8 @@
           </p:nvSpPr>
           <p:spPr>
             <a:xfrm>
-              <a:off x="3320901" y="1056242"/>
-              <a:ext cx="877163" cy="369332"/>
+              <a:off x="3205485" y="1056242"/>
+              <a:ext cx="1107996" cy="369332"/>
             </a:xfrm>
             <a:prstGeom prst="rect">
               <a:avLst/>
@@ -5765,7 +7320,7 @@
                   <a:latin typeface="Adina" panose="020B0503020204020204" pitchFamily="34" charset="-128"/>
                   <a:ea typeface="Adina" panose="020B0503020204020204" pitchFamily="34" charset="-128"/>
                 </a:rPr>
-                <a:t>汇聚点</a:t>
+                <a:t>汇聚节点</a:t>
               </a:r>
             </a:p>
           </p:txBody>
@@ -5784,8 +7339,8 @@
           </p:nvSpPr>
           <p:spPr>
             <a:xfrm>
-              <a:off x="8331904" y="1066514"/>
-              <a:ext cx="877163" cy="369332"/>
+              <a:off x="8216488" y="1066514"/>
+              <a:ext cx="1107996" cy="369332"/>
             </a:xfrm>
             <a:prstGeom prst="rect">
               <a:avLst/>
@@ -5804,7 +7359,7 @@
                   <a:latin typeface="Adina" panose="020B0503020204020204" pitchFamily="34" charset="-128"/>
                   <a:ea typeface="Adina" panose="020B0503020204020204" pitchFamily="34" charset="-128"/>
                 </a:rPr>
-                <a:t>监测点</a:t>
+                <a:t>监测节点</a:t>
               </a:r>
             </a:p>
           </p:txBody>
@@ -6374,7 +7929,7 @@
 </p:sld>
 </file>
 
-<file path=ppt/slides/slide4.xml><?xml version="1.0" encoding="utf-8"?>
+<file path=ppt/slides/slide5.xml><?xml version="1.0" encoding="utf-8"?>
 <p:sld xmlns:a="http://schemas.openxmlformats.org/drawingml/2006/main" xmlns:r="http://schemas.openxmlformats.org/officeDocument/2006/relationships" xmlns:p="http://schemas.openxmlformats.org/presentationml/2006/main">
   <p:cSld>
     <p:spTree>
@@ -7951,7 +9506,7 @@
 </p:sld>
 </file>
 
-<file path=ppt/slides/slide5.xml><?xml version="1.0" encoding="utf-8"?>
+<file path=ppt/slides/slide6.xml><?xml version="1.0" encoding="utf-8"?>
 <p:sld xmlns:a="http://schemas.openxmlformats.org/drawingml/2006/main" xmlns:r="http://schemas.openxmlformats.org/officeDocument/2006/relationships" xmlns:p="http://schemas.openxmlformats.org/presentationml/2006/main">
   <p:cSld>
     <p:spTree>
@@ -8484,7 +10039,7 @@
 </p:sld>
 </file>
 
-<file path=ppt/slides/slide6.xml><?xml version="1.0" encoding="utf-8"?>
+<file path=ppt/slides/slide7.xml><?xml version="1.0" encoding="utf-8"?>
 <p:sld xmlns:a="http://schemas.openxmlformats.org/drawingml/2006/main" xmlns:r="http://schemas.openxmlformats.org/officeDocument/2006/relationships" xmlns:p="http://schemas.openxmlformats.org/presentationml/2006/main">
   <p:cSld>
     <p:spTree>
@@ -9376,7 +10931,7 @@
 </p:sld>
 </file>
 
-<file path=ppt/slides/slide7.xml><?xml version="1.0" encoding="utf-8"?>
+<file path=ppt/slides/slide8.xml><?xml version="1.0" encoding="utf-8"?>
 <p:sld xmlns:a="http://schemas.openxmlformats.org/drawingml/2006/main" xmlns:r="http://schemas.openxmlformats.org/officeDocument/2006/relationships" xmlns:p="http://schemas.openxmlformats.org/presentationml/2006/main">
   <p:cSld>
     <p:spTree>
@@ -9613,7 +11168,7 @@
           <p:spPr>
             <a:xfrm>
               <a:off x="6833704" y="2706098"/>
-              <a:ext cx="1766670" cy="1304082"/>
+              <a:ext cx="1766670" cy="573202"/>
             </a:xfrm>
             <a:prstGeom prst="rect">
               <a:avLst/>
@@ -9644,18 +11199,21 @@
             <a:p>
               <a:pPr algn="ctr"/>
               <a:r>
-                <a:rPr lang="en-US" altLang="zh-CN" dirty="0" err="1">
+                <a:rPr lang="en-US" altLang="zh-CN" dirty="0">
                   <a:latin typeface="Times New Roman" panose="02020603050405020304" pitchFamily="18" charset="0"/>
                   <a:ea typeface="宋体" panose="02010600030101010101" pitchFamily="2" charset="-122"/>
                   <a:cs typeface="Times New Roman" panose="02020603050405020304" pitchFamily="18" charset="0"/>
                 </a:rPr>
-                <a:t>FreeMODBUS</a:t>
+                <a:t>Modbus</a:t>
               </a:r>
-              <a:endParaRPr lang="zh-CN" altLang="en-US" dirty="0">
-                <a:latin typeface="Times New Roman" panose="02020603050405020304" pitchFamily="18" charset="0"/>
-                <a:ea typeface="宋体" panose="02010600030101010101" pitchFamily="2" charset="-122"/>
-                <a:cs typeface="Times New Roman" panose="02020603050405020304" pitchFamily="18" charset="0"/>
-              </a:endParaRPr>
+              <a:r>
+                <a:rPr lang="zh-CN" altLang="en-US" dirty="0">
+                  <a:latin typeface="Times New Roman" panose="02020603050405020304" pitchFamily="18" charset="0"/>
+                  <a:ea typeface="宋体" panose="02010600030101010101" pitchFamily="2" charset="-122"/>
+                  <a:cs typeface="Times New Roman" panose="02020603050405020304" pitchFamily="18" charset="0"/>
+                </a:rPr>
+                <a:t>协议栈</a:t>
+              </a:r>
             </a:p>
           </p:txBody>
         </p:sp>
@@ -9673,8 +11231,8 @@
           </p:nvSpPr>
           <p:spPr>
             <a:xfrm>
-              <a:off x="2346490" y="3414188"/>
-              <a:ext cx="4374942" cy="573206"/>
+              <a:off x="2346489" y="3414188"/>
+              <a:ext cx="6253879" cy="573206"/>
             </a:xfrm>
             <a:prstGeom prst="rect">
               <a:avLst/>
@@ -10113,7 +11671,7 @@
                   <a:latin typeface="宋体" panose="02010600030101010101" pitchFamily="2" charset="-122"/>
                   <a:ea typeface="宋体" panose="02010600030101010101" pitchFamily="2" charset="-122"/>
                 </a:rPr>
-                <a:t>显示任务</a:t>
+                <a:t>人机交互任务</a:t>
               </a:r>
             </a:p>
           </p:txBody>
@@ -10547,7 +12105,7 @@
 </p:sld>
 </file>
 
-<file path=ppt/slides/slide8.xml><?xml version="1.0" encoding="utf-8"?>
+<file path=ppt/slides/slide9.xml><?xml version="1.0" encoding="utf-8"?>
 <p:sld xmlns:a="http://schemas.openxmlformats.org/drawingml/2006/main" xmlns:r="http://schemas.openxmlformats.org/officeDocument/2006/relationships" xmlns:p="http://schemas.openxmlformats.org/presentationml/2006/main">
   <p:cSld>
     <p:spTree>
@@ -10723,66 +12281,6 @@
     <p:extLst>
       <p:ext uri="{BB962C8B-B14F-4D97-AF65-F5344CB8AC3E}">
         <p14:creationId xmlns:p14="http://schemas.microsoft.com/office/powerpoint/2010/main" val="758326294"/>
-      </p:ext>
-    </p:extLst>
-  </p:cSld>
-  <p:clrMapOvr>
-    <a:masterClrMapping/>
-  </p:clrMapOvr>
-</p:sld>
-</file>
-
-<file path=ppt/slides/slide9.xml><?xml version="1.0" encoding="utf-8"?>
-<p:sld xmlns:a="http://schemas.openxmlformats.org/drawingml/2006/main" xmlns:r="http://schemas.openxmlformats.org/officeDocument/2006/relationships" xmlns:p="http://schemas.openxmlformats.org/presentationml/2006/main">
-  <p:cSld>
-    <p:spTree>
-      <p:nvGrpSpPr>
-        <p:cNvPr id="1" name=""/>
-        <p:cNvGrpSpPr/>
-        <p:nvPr/>
-      </p:nvGrpSpPr>
-      <p:grpSpPr>
-        <a:xfrm>
-          <a:off x="0" y="0"/>
-          <a:ext cx="0" cy="0"/>
-          <a:chOff x="0" y="0"/>
-          <a:chExt cx="0" cy="0"/>
-        </a:xfrm>
-      </p:grpSpPr>
-      <p:pic>
-        <p:nvPicPr>
-          <p:cNvPr id="4" name="Picture 3">
-            <a:extLst>
-              <a:ext uri="{FF2B5EF4-FFF2-40B4-BE49-F238E27FC236}">
-                <a16:creationId xmlns:a16="http://schemas.microsoft.com/office/drawing/2014/main" id="{78F1018F-665B-4F03-92C3-A42C2F5C50B1}"/>
-              </a:ext>
-            </a:extLst>
-          </p:cNvPr>
-          <p:cNvPicPr>
-            <a:picLocks noChangeAspect="1"/>
-          </p:cNvPicPr>
-          <p:nvPr/>
-        </p:nvPicPr>
-        <p:blipFill>
-          <a:blip r:embed="rId2"/>
-          <a:stretch>
-            <a:fillRect/>
-          </a:stretch>
-        </p:blipFill>
-        <p:spPr>
-          <a:xfrm>
-            <a:off x="4518535" y="2642390"/>
-            <a:ext cx="3154929" cy="1573219"/>
-          </a:xfrm>
-          <a:prstGeom prst="rect">
-            <a:avLst/>
-          </a:prstGeom>
-        </p:spPr>
-      </p:pic>
-    </p:spTree>
-    <p:extLst>
-      <p:ext uri="{BB962C8B-B14F-4D97-AF65-F5344CB8AC3E}">
-        <p14:creationId xmlns:p14="http://schemas.microsoft.com/office/powerpoint/2010/main" val="1068249195"/>
       </p:ext>
     </p:extLst>
   </p:cSld>
